--- a/01 Classes/Aula 04 05 06 Programação Python.pptx
+++ b/01 Classes/Aula 04 05 06 Programação Python.pptx
@@ -6073,7 +6073,7 @@
             <a:pPr marL="0" indent="0" algn="just">
               <a:buNone/>
             </a:pPr>
-            <a:endParaRPr lang="pt-BR" dirty="0">
+            <a:endParaRPr lang="pt-BR" sz="3200" dirty="0">
               <a:solidFill>
                 <a:schemeClr val="tx1"/>
               </a:solidFill>
@@ -6085,114 +6085,102 @@
             <a:pPr marL="0" indent="0" algn="just">
               <a:buNone/>
             </a:pPr>
-            <a:endParaRPr lang="pt-BR" dirty="0">
-              <a:solidFill>
-                <a:schemeClr val="tx1"/>
-              </a:solidFill>
-              <a:latin typeface="Times New Roman" panose="02020603050405020304" pitchFamily="18" charset="0"/>
-              <a:cs typeface="Times New Roman" panose="02020603050405020304" pitchFamily="18" charset="0"/>
-            </a:endParaRPr>
+            <a:r>
+              <a:rPr lang="pt-BR" sz="3200" dirty="0">
+                <a:solidFill>
+                  <a:schemeClr val="tx1"/>
+                </a:solidFill>
+                <a:latin typeface="Times New Roman" panose="02020603050405020304" pitchFamily="18" charset="0"/>
+                <a:cs typeface="Times New Roman" panose="02020603050405020304" pitchFamily="18" charset="0"/>
+              </a:rPr>
+              <a:t>Não é necessário fazer uma </a:t>
+            </a:r>
+            <a:r>
+              <a:rPr lang="pt-BR" sz="3200" b="1" dirty="0">
+                <a:solidFill>
+                  <a:schemeClr val="tx1"/>
+                </a:solidFill>
+                <a:latin typeface="Times New Roman" panose="02020603050405020304" pitchFamily="18" charset="0"/>
+                <a:cs typeface="Times New Roman" panose="02020603050405020304" pitchFamily="18" charset="0"/>
+              </a:rPr>
+              <a:t>declaração explícita</a:t>
+            </a:r>
+            <a:r>
+              <a:rPr lang="pt-BR" sz="3200" dirty="0">
+                <a:solidFill>
+                  <a:schemeClr val="tx1"/>
+                </a:solidFill>
+                <a:latin typeface="Times New Roman" panose="02020603050405020304" pitchFamily="18" charset="0"/>
+                <a:cs typeface="Times New Roman" panose="02020603050405020304" pitchFamily="18" charset="0"/>
+              </a:rPr>
+              <a:t> de cada </a:t>
+            </a:r>
+            <a:r>
+              <a:rPr lang="pt-BR" sz="3200" b="1" dirty="0">
+                <a:solidFill>
+                  <a:schemeClr val="tx1"/>
+                </a:solidFill>
+                <a:latin typeface="Times New Roman" panose="02020603050405020304" pitchFamily="18" charset="0"/>
+                <a:cs typeface="Times New Roman" panose="02020603050405020304" pitchFamily="18" charset="0"/>
+              </a:rPr>
+              <a:t>variável</a:t>
+            </a:r>
+            <a:r>
+              <a:rPr lang="pt-BR" sz="3200" dirty="0">
+                <a:solidFill>
+                  <a:schemeClr val="tx1"/>
+                </a:solidFill>
+                <a:latin typeface="Times New Roman" panose="02020603050405020304" pitchFamily="18" charset="0"/>
+                <a:cs typeface="Times New Roman" panose="02020603050405020304" pitchFamily="18" charset="0"/>
+              </a:rPr>
+              <a:t>, indicando o </a:t>
+            </a:r>
+            <a:r>
+              <a:rPr lang="pt-BR" sz="3200" b="1" dirty="0">
+                <a:solidFill>
+                  <a:schemeClr val="tx1"/>
+                </a:solidFill>
+                <a:latin typeface="Times New Roman" panose="02020603050405020304" pitchFamily="18" charset="0"/>
+                <a:cs typeface="Times New Roman" panose="02020603050405020304" pitchFamily="18" charset="0"/>
+              </a:rPr>
+              <a:t>tipo</a:t>
+            </a:r>
+            <a:r>
+              <a:rPr lang="pt-BR" sz="3200" dirty="0">
+                <a:solidFill>
+                  <a:schemeClr val="tx1"/>
+                </a:solidFill>
+                <a:latin typeface="Times New Roman" panose="02020603050405020304" pitchFamily="18" charset="0"/>
+                <a:cs typeface="Times New Roman" panose="02020603050405020304" pitchFamily="18" charset="0"/>
+              </a:rPr>
+              <a:t> ao qual ela </a:t>
+            </a:r>
+            <a:r>
+              <a:rPr lang="pt-BR" sz="3200" b="1" dirty="0">
+                <a:solidFill>
+                  <a:schemeClr val="tx1"/>
+                </a:solidFill>
+                <a:latin typeface="Times New Roman" panose="02020603050405020304" pitchFamily="18" charset="0"/>
+                <a:cs typeface="Times New Roman" panose="02020603050405020304" pitchFamily="18" charset="0"/>
+              </a:rPr>
+              <a:t>pertence</a:t>
+            </a:r>
+            <a:r>
+              <a:rPr lang="pt-BR" sz="3200" dirty="0">
+                <a:solidFill>
+                  <a:schemeClr val="tx1"/>
+                </a:solidFill>
+                <a:latin typeface="Times New Roman" panose="02020603050405020304" pitchFamily="18" charset="0"/>
+                <a:cs typeface="Times New Roman" panose="02020603050405020304" pitchFamily="18" charset="0"/>
+              </a:rPr>
+              <a:t>, pois isso é definido pelo valor que ela armazena.</a:t>
+            </a:r>
           </a:p>
           <a:p>
             <a:pPr marL="0" indent="0" algn="just">
               <a:buNone/>
             </a:pPr>
-            <a:r>
-              <a:rPr lang="pt-BR" dirty="0">
-                <a:solidFill>
-                  <a:schemeClr val="tx1"/>
-                </a:solidFill>
-                <a:latin typeface="Times New Roman" panose="02020603050405020304" pitchFamily="18" charset="0"/>
-                <a:cs typeface="Times New Roman" panose="02020603050405020304" pitchFamily="18" charset="0"/>
-              </a:rPr>
-              <a:t>Não é necessário fazer uma </a:t>
-            </a:r>
-            <a:r>
-              <a:rPr lang="pt-BR" b="1" dirty="0">
-                <a:solidFill>
-                  <a:schemeClr val="tx1"/>
-                </a:solidFill>
-                <a:latin typeface="Times New Roman" panose="02020603050405020304" pitchFamily="18" charset="0"/>
-                <a:cs typeface="Times New Roman" panose="02020603050405020304" pitchFamily="18" charset="0"/>
-              </a:rPr>
-              <a:t>declaração explícita</a:t>
-            </a:r>
-            <a:r>
-              <a:rPr lang="pt-BR" dirty="0">
-                <a:solidFill>
-                  <a:schemeClr val="tx1"/>
-                </a:solidFill>
-                <a:latin typeface="Times New Roman" panose="02020603050405020304" pitchFamily="18" charset="0"/>
-                <a:cs typeface="Times New Roman" panose="02020603050405020304" pitchFamily="18" charset="0"/>
-              </a:rPr>
-              <a:t> de cada </a:t>
-            </a:r>
-            <a:r>
-              <a:rPr lang="pt-BR" b="1" dirty="0">
-                <a:solidFill>
-                  <a:schemeClr val="tx1"/>
-                </a:solidFill>
-                <a:latin typeface="Times New Roman" panose="02020603050405020304" pitchFamily="18" charset="0"/>
-                <a:cs typeface="Times New Roman" panose="02020603050405020304" pitchFamily="18" charset="0"/>
-              </a:rPr>
-              <a:t>variável</a:t>
-            </a:r>
-            <a:r>
-              <a:rPr lang="pt-BR" dirty="0">
-                <a:solidFill>
-                  <a:schemeClr val="tx1"/>
-                </a:solidFill>
-                <a:latin typeface="Times New Roman" panose="02020603050405020304" pitchFamily="18" charset="0"/>
-                <a:cs typeface="Times New Roman" panose="02020603050405020304" pitchFamily="18" charset="0"/>
-              </a:rPr>
-              <a:t>, indicando o </a:t>
-            </a:r>
-            <a:r>
-              <a:rPr lang="pt-BR" b="1" dirty="0">
-                <a:solidFill>
-                  <a:schemeClr val="tx1"/>
-                </a:solidFill>
-                <a:latin typeface="Times New Roman" panose="02020603050405020304" pitchFamily="18" charset="0"/>
-                <a:cs typeface="Times New Roman" panose="02020603050405020304" pitchFamily="18" charset="0"/>
-              </a:rPr>
-              <a:t>tipo</a:t>
-            </a:r>
-            <a:r>
-              <a:rPr lang="pt-BR" dirty="0">
-                <a:solidFill>
-                  <a:schemeClr val="tx1"/>
-                </a:solidFill>
-                <a:latin typeface="Times New Roman" panose="02020603050405020304" pitchFamily="18" charset="0"/>
-                <a:cs typeface="Times New Roman" panose="02020603050405020304" pitchFamily="18" charset="0"/>
-              </a:rPr>
-              <a:t> ao qual ela </a:t>
-            </a:r>
-            <a:r>
-              <a:rPr lang="pt-BR" b="1" dirty="0">
-                <a:solidFill>
-                  <a:schemeClr val="tx1"/>
-                </a:solidFill>
-                <a:latin typeface="Times New Roman" panose="02020603050405020304" pitchFamily="18" charset="0"/>
-                <a:cs typeface="Times New Roman" panose="02020603050405020304" pitchFamily="18" charset="0"/>
-              </a:rPr>
-              <a:t>pertence</a:t>
-            </a:r>
-            <a:r>
-              <a:rPr lang="pt-BR" dirty="0">
-                <a:solidFill>
-                  <a:schemeClr val="tx1"/>
-                </a:solidFill>
-                <a:latin typeface="Times New Roman" panose="02020603050405020304" pitchFamily="18" charset="0"/>
-                <a:cs typeface="Times New Roman" panose="02020603050405020304" pitchFamily="18" charset="0"/>
-              </a:rPr>
-              <a:t>, pois isso é definido pelo valor que ela armazena.</a:t>
-            </a:r>
-          </a:p>
-          <a:p>
-            <a:pPr marL="0" indent="0" algn="just">
-              <a:buNone/>
-            </a:pPr>
-            <a:endParaRPr lang="pt-BR" dirty="0">
+            <a:endParaRPr lang="pt-BR" sz="3200" dirty="0">
               <a:solidFill>
                 <a:schemeClr val="tx1"/>
               </a:solidFill>
@@ -6591,7 +6579,7 @@
               <a:buNone/>
             </a:pPr>
             <a:r>
-              <a:rPr lang="pt-BR" sz="2400" dirty="0">
+              <a:rPr lang="pt-BR" sz="3200" dirty="0">
                 <a:solidFill>
                   <a:schemeClr val="tx1"/>
                 </a:solidFill>
@@ -6601,7 +6589,7 @@
               <a:t>O </a:t>
             </a:r>
             <a:r>
-              <a:rPr lang="pt-BR" sz="2400" b="1" dirty="0">
+              <a:rPr lang="pt-BR" sz="3200" b="1" dirty="0">
                 <a:solidFill>
                   <a:srgbClr val="FF0000"/>
                 </a:solidFill>
@@ -6611,7 +6599,7 @@
               <a:t>escopo</a:t>
             </a:r>
             <a:r>
-              <a:rPr lang="pt-BR" sz="2400" dirty="0">
+              <a:rPr lang="pt-BR" sz="3200" dirty="0">
                 <a:solidFill>
                   <a:schemeClr val="tx1"/>
                 </a:solidFill>
@@ -6625,7 +6613,7 @@
             <a:pPr marL="0" indent="0" algn="just">
               <a:buNone/>
             </a:pPr>
-            <a:endParaRPr lang="pt-BR" sz="2400" b="1" dirty="0">
+            <a:endParaRPr lang="pt-BR" sz="3200" b="1" dirty="0">
               <a:solidFill>
                 <a:schemeClr val="tx1"/>
               </a:solidFill>
@@ -6638,7 +6626,7 @@
               <a:buNone/>
             </a:pPr>
             <a:r>
-              <a:rPr lang="pt-BR" sz="2400" b="1" dirty="0">
+              <a:rPr lang="pt-BR" sz="3200" b="1" dirty="0">
                 <a:solidFill>
                   <a:srgbClr val="FF0000"/>
                 </a:solidFill>
@@ -6648,7 +6636,7 @@
               <a:t>Local</a:t>
             </a:r>
             <a:r>
-              <a:rPr lang="pt-BR" sz="2400" b="1" dirty="0">
+              <a:rPr lang="pt-BR" sz="3200" b="1" dirty="0">
                 <a:solidFill>
                   <a:schemeClr val="tx1"/>
                 </a:solidFill>
@@ -6658,7 +6646,7 @@
               <a:t>	</a:t>
             </a:r>
             <a:r>
-              <a:rPr lang="pt-BR" sz="2400" dirty="0">
+              <a:rPr lang="pt-BR" sz="3200" dirty="0">
                 <a:solidFill>
                   <a:schemeClr val="tx1"/>
                 </a:solidFill>
@@ -6672,7 +6660,7 @@
             <a:pPr marL="0" indent="0" algn="just">
               <a:buNone/>
             </a:pPr>
-            <a:endParaRPr lang="pt-BR" sz="2400" dirty="0">
+            <a:endParaRPr lang="pt-BR" sz="3200" dirty="0">
               <a:solidFill>
                 <a:schemeClr val="tx1"/>
               </a:solidFill>
@@ -6684,7 +6672,7 @@
             <a:pPr marL="0" indent="0" algn="just">
               <a:buNone/>
             </a:pPr>
-            <a:endParaRPr lang="pt-BR" sz="2400" dirty="0">
+            <a:endParaRPr lang="pt-BR" sz="3200" dirty="0">
               <a:solidFill>
                 <a:schemeClr val="tx1"/>
               </a:solidFill>
@@ -7446,7 +7434,7 @@
               <a:buNone/>
             </a:pPr>
             <a:r>
-              <a:rPr lang="pt-BR" sz="2400" b="1" dirty="0">
+              <a:rPr lang="pt-BR" b="1" dirty="0">
                 <a:solidFill>
                   <a:srgbClr val="FF0000"/>
                 </a:solidFill>
@@ -7456,7 +7444,7 @@
               <a:t>Global</a:t>
             </a:r>
             <a:r>
-              <a:rPr lang="pt-BR" sz="2400" b="1" dirty="0">
+              <a:rPr lang="pt-BR" b="1" dirty="0">
                 <a:solidFill>
                   <a:schemeClr val="tx1"/>
                 </a:solidFill>
@@ -7470,7 +7458,7 @@
             <a:pPr marL="0" indent="0" algn="just">
               <a:buNone/>
             </a:pPr>
-            <a:endParaRPr lang="pt-BR" sz="2400" dirty="0">
+            <a:endParaRPr lang="pt-BR" dirty="0">
               <a:solidFill>
                 <a:schemeClr val="tx1"/>
               </a:solidFill>
@@ -7483,7 +7471,7 @@
               <a:buNone/>
             </a:pPr>
             <a:r>
-              <a:rPr lang="pt-BR" sz="2400" dirty="0">
+              <a:rPr lang="pt-BR" dirty="0">
                 <a:solidFill>
                   <a:schemeClr val="tx1"/>
                 </a:solidFill>
@@ -7497,7 +7485,7 @@
             <a:pPr marL="0" indent="0" algn="just">
               <a:buNone/>
             </a:pPr>
-            <a:endParaRPr lang="pt-BR" sz="2400" dirty="0">
+            <a:endParaRPr lang="pt-BR" dirty="0">
               <a:solidFill>
                 <a:schemeClr val="tx1"/>
               </a:solidFill>
@@ -7510,7 +7498,7 @@
               <a:buNone/>
             </a:pPr>
             <a:r>
-              <a:rPr lang="pt-BR" sz="2400" b="1" dirty="0">
+              <a:rPr lang="pt-BR" b="1" dirty="0">
                 <a:solidFill>
                   <a:schemeClr val="tx1"/>
                 </a:solidFill>
@@ -7520,7 +7508,7 @@
               <a:t>Atenção:</a:t>
             </a:r>
             <a:r>
-              <a:rPr lang="pt-BR" sz="2400" dirty="0">
+              <a:rPr lang="pt-BR" dirty="0">
                 <a:solidFill>
                   <a:schemeClr val="tx1"/>
                 </a:solidFill>
@@ -8325,7 +8313,7 @@
         </p:nvSpPr>
         <p:spPr>
           <a:xfrm>
-            <a:off x="142865" y="1071360"/>
+            <a:off x="130339" y="1071360"/>
             <a:ext cx="8865056" cy="3847839"/>
           </a:xfrm>
         </p:spPr>
@@ -8339,7 +8327,7 @@
               <a:buNone/>
             </a:pPr>
             <a:r>
-              <a:rPr lang="pt-BR" sz="2400" dirty="0">
+              <a:rPr lang="pt-BR" dirty="0">
                 <a:solidFill>
                   <a:schemeClr val="tx1"/>
                 </a:solidFill>
@@ -8361,6 +8349,66 @@
                 <a:latin typeface="Times New Roman" panose="02020603050405020304" pitchFamily="18" charset="0"/>
                 <a:cs typeface="Times New Roman" panose="02020603050405020304" pitchFamily="18" charset="0"/>
               </a:rPr>
+              <a:t>** =&gt; potência</a:t>
+            </a:r>
+          </a:p>
+          <a:p>
+            <a:pPr marL="3223260" lvl="7" indent="0" algn="just">
+              <a:buNone/>
+            </a:pPr>
+            <a:r>
+              <a:rPr lang="pt-BR" sz="2800" b="1" dirty="0">
+                <a:solidFill>
+                  <a:srgbClr val="FF0000"/>
+                </a:solidFill>
+                <a:latin typeface="Times New Roman" panose="02020603050405020304" pitchFamily="18" charset="0"/>
+                <a:cs typeface="Times New Roman" panose="02020603050405020304" pitchFamily="18" charset="0"/>
+              </a:rPr>
+              <a:t>*/ =&gt; multiplicação; divisão</a:t>
+            </a:r>
+          </a:p>
+          <a:p>
+            <a:pPr marL="3223260" lvl="7" indent="0" algn="just">
+              <a:buNone/>
+            </a:pPr>
+            <a:r>
+              <a:rPr lang="pt-BR" sz="2800" b="1" dirty="0">
+                <a:solidFill>
+                  <a:srgbClr val="FF0000"/>
+                </a:solidFill>
+                <a:latin typeface="Times New Roman" panose="02020603050405020304" pitchFamily="18" charset="0"/>
+                <a:cs typeface="Times New Roman" panose="02020603050405020304" pitchFamily="18" charset="0"/>
+              </a:rPr>
+              <a:t>// =&gt; divisão inteira</a:t>
+            </a:r>
+          </a:p>
+          <a:p>
+            <a:pPr marL="3223260" lvl="7" indent="0" algn="just">
+              <a:buNone/>
+            </a:pPr>
+            <a:r>
+              <a:rPr lang="pt-BR" sz="2800" b="1" dirty="0">
+                <a:solidFill>
+                  <a:srgbClr val="FF0000"/>
+                </a:solidFill>
+                <a:latin typeface="Times New Roman" panose="02020603050405020304" pitchFamily="18" charset="0"/>
+                <a:cs typeface="Times New Roman" panose="02020603050405020304" pitchFamily="18" charset="0"/>
+              </a:rPr>
+              <a:t>% =&gt; resto da divisão</a:t>
+            </a:r>
+          </a:p>
+          <a:p>
+            <a:pPr marL="3223260" lvl="7" indent="0" algn="just">
+              <a:buNone/>
+            </a:pPr>
+            <a:r>
+              <a:rPr lang="pt-BR" sz="2800" b="1" dirty="0">
+                <a:solidFill>
+                  <a:srgbClr val="FF0000"/>
+                </a:solidFill>
+                <a:latin typeface="Times New Roman" panose="02020603050405020304" pitchFamily="18" charset="0"/>
+                <a:cs typeface="Times New Roman" panose="02020603050405020304" pitchFamily="18" charset="0"/>
+              </a:rPr>
               <a:t>+- =&gt; soma; subtração</a:t>
             </a:r>
           </a:p>
@@ -8368,61 +8416,13 @@
             <a:pPr marL="3223260" lvl="7" indent="0" algn="just">
               <a:buNone/>
             </a:pPr>
-            <a:r>
-              <a:rPr lang="pt-BR" sz="2800" b="1" dirty="0">
-                <a:solidFill>
-                  <a:srgbClr val="FF0000"/>
-                </a:solidFill>
-                <a:latin typeface="Times New Roman" panose="02020603050405020304" pitchFamily="18" charset="0"/>
-                <a:cs typeface="Times New Roman" panose="02020603050405020304" pitchFamily="18" charset="0"/>
-              </a:rPr>
-              <a:t>*/ =&gt; multiplicação; divisão</a:t>
-            </a:r>
-          </a:p>
-          <a:p>
-            <a:pPr marL="3223260" lvl="7" indent="0" algn="just">
-              <a:buNone/>
-            </a:pPr>
-            <a:r>
-              <a:rPr lang="pt-BR" sz="2800" b="1" dirty="0">
-                <a:solidFill>
-                  <a:srgbClr val="FF0000"/>
-                </a:solidFill>
-                <a:latin typeface="Times New Roman" panose="02020603050405020304" pitchFamily="18" charset="0"/>
-                <a:cs typeface="Times New Roman" panose="02020603050405020304" pitchFamily="18" charset="0"/>
-              </a:rPr>
-              <a:t>// =&gt; divisão inteira</a:t>
-            </a:r>
-          </a:p>
-          <a:p>
-            <a:pPr marL="3223260" lvl="7" indent="0" algn="just">
-              <a:buNone/>
-            </a:pPr>
-            <a:r>
-              <a:rPr lang="pt-BR" sz="2800" b="1" dirty="0">
-                <a:solidFill>
-                  <a:srgbClr val="FF0000"/>
-                </a:solidFill>
-                <a:latin typeface="Times New Roman" panose="02020603050405020304" pitchFamily="18" charset="0"/>
-                <a:cs typeface="Times New Roman" panose="02020603050405020304" pitchFamily="18" charset="0"/>
-              </a:rPr>
-              <a:t>% =&gt; resto da divisão</a:t>
-            </a:r>
-          </a:p>
-          <a:p>
-            <a:pPr marL="3223260" lvl="7" indent="0" algn="just">
-              <a:buNone/>
-            </a:pPr>
-            <a:r>
-              <a:rPr lang="pt-BR" sz="2800" b="1" dirty="0">
-                <a:solidFill>
-                  <a:srgbClr val="FF0000"/>
-                </a:solidFill>
-                <a:latin typeface="Times New Roman" panose="02020603050405020304" pitchFamily="18" charset="0"/>
-                <a:cs typeface="Times New Roman" panose="02020603050405020304" pitchFamily="18" charset="0"/>
-              </a:rPr>
-              <a:t>** =&gt; potência</a:t>
-            </a:r>
+            <a:endParaRPr lang="pt-BR" sz="2800" b="1" dirty="0">
+              <a:solidFill>
+                <a:srgbClr val="FF0000"/>
+              </a:solidFill>
+              <a:latin typeface="Times New Roman" panose="02020603050405020304" pitchFamily="18" charset="0"/>
+              <a:cs typeface="Times New Roman" panose="02020603050405020304" pitchFamily="18" charset="0"/>
+            </a:endParaRPr>
           </a:p>
         </p:txBody>
       </p:sp>
@@ -9343,6 +9343,81 @@
               <a:t> =&gt; não</a:t>
             </a:r>
           </a:p>
+          <a:p>
+            <a:pPr marL="0" lvl="7" indent="0" algn="just">
+              <a:spcBef>
+                <a:spcPts val="600"/>
+              </a:spcBef>
+              <a:buNone/>
+            </a:pPr>
+            <a:endParaRPr lang="pt-BR" sz="2400" dirty="0">
+              <a:solidFill>
+                <a:schemeClr val="tx1"/>
+              </a:solidFill>
+              <a:latin typeface="Times New Roman" panose="02020603050405020304" pitchFamily="18" charset="0"/>
+              <a:cs typeface="Times New Roman" panose="02020603050405020304" pitchFamily="18" charset="0"/>
+            </a:endParaRPr>
+          </a:p>
+          <a:p>
+            <a:pPr marL="0" lvl="7" indent="0" algn="just">
+              <a:spcBef>
+                <a:spcPts val="600"/>
+              </a:spcBef>
+              <a:buNone/>
+            </a:pPr>
+            <a:r>
+              <a:rPr lang="pt-BR" sz="2400" dirty="0">
+                <a:solidFill>
+                  <a:schemeClr val="tx1"/>
+                </a:solidFill>
+                <a:latin typeface="Times New Roman" panose="02020603050405020304" pitchFamily="18" charset="0"/>
+                <a:cs typeface="Times New Roman" panose="02020603050405020304" pitchFamily="18" charset="0"/>
+              </a:rPr>
+              <a:t>Nota: Valores constantes: </a:t>
+            </a:r>
+            <a:r>
+              <a:rPr lang="pt-BR" sz="2400" b="1" dirty="0" err="1">
+                <a:solidFill>
+                  <a:srgbClr val="0070C0"/>
+                </a:solidFill>
+                <a:latin typeface="Times New Roman" panose="02020603050405020304" pitchFamily="18" charset="0"/>
+                <a:cs typeface="Times New Roman" panose="02020603050405020304" pitchFamily="18" charset="0"/>
+              </a:rPr>
+              <a:t>True</a:t>
+            </a:r>
+            <a:r>
+              <a:rPr lang="pt-BR" sz="2400" b="1" dirty="0">
+                <a:solidFill>
+                  <a:srgbClr val="0070C0"/>
+                </a:solidFill>
+                <a:latin typeface="Times New Roman" panose="02020603050405020304" pitchFamily="18" charset="0"/>
+                <a:cs typeface="Times New Roman" panose="02020603050405020304" pitchFamily="18" charset="0"/>
+              </a:rPr>
+              <a:t> e False</a:t>
+            </a:r>
+            <a:r>
+              <a:rPr lang="pt-BR" sz="2400" dirty="0">
+                <a:solidFill>
+                  <a:schemeClr val="tx1"/>
+                </a:solidFill>
+                <a:latin typeface="Times New Roman" panose="02020603050405020304" pitchFamily="18" charset="0"/>
+                <a:cs typeface="Times New Roman" panose="02020603050405020304" pitchFamily="18" charset="0"/>
+              </a:rPr>
+              <a:t>.</a:t>
+            </a:r>
+          </a:p>
+          <a:p>
+            <a:pPr marL="3223260" lvl="7" indent="0" algn="just">
+              <a:buNone/>
+            </a:pPr>
+            <a:endParaRPr lang="pt-BR" sz="2400" b="1" dirty="0">
+              <a:solidFill>
+                <a:schemeClr val="tx1"/>
+              </a:solidFill>
+              <a:latin typeface="Times New Roman" panose="02020603050405020304" pitchFamily="18" charset="0"/>
+              <a:cs typeface="Times New Roman" panose="02020603050405020304" pitchFamily="18" charset="0"/>
+            </a:endParaRPr>
+          </a:p>
         </p:txBody>
       </p:sp>
     </p:spTree>
@@ -10111,7 +10186,27 @@
                 <a:latin typeface="Times New Roman" panose="02020603050405020304" pitchFamily="18" charset="0"/>
                 <a:cs typeface="Times New Roman" panose="02020603050405020304" pitchFamily="18" charset="0"/>
               </a:rPr>
-              <a:t>Aritméticos</a:t>
+              <a:t>Aritméticos (</a:t>
+            </a:r>
+            <a:r>
+              <a:rPr lang="pt-BR" sz="2400" b="1" dirty="0">
+                <a:solidFill>
+                  <a:srgbClr val="FF0000"/>
+                </a:solidFill>
+                <a:latin typeface="Times New Roman" panose="02020603050405020304" pitchFamily="18" charset="0"/>
+                <a:cs typeface="Times New Roman" panose="02020603050405020304" pitchFamily="18" charset="0"/>
+              </a:rPr>
+              <a:t>obedecendo a ordem: *; */%//; +-</a:t>
+            </a:r>
+            <a:r>
+              <a:rPr lang="pt-BR" sz="2400" b="1" dirty="0">
+                <a:solidFill>
+                  <a:schemeClr val="tx1"/>
+                </a:solidFill>
+                <a:latin typeface="Times New Roman" panose="02020603050405020304" pitchFamily="18" charset="0"/>
+                <a:cs typeface="Times New Roman" panose="02020603050405020304" pitchFamily="18" charset="0"/>
+              </a:rPr>
+              <a:t>)</a:t>
             </a:r>
             <a:endParaRPr lang="pt-BR" sz="2400" dirty="0">
               <a:solidFill>
@@ -10189,25 +10284,8 @@
                 <a:latin typeface="Times New Roman" panose="02020603050405020304" pitchFamily="18" charset="0"/>
                 <a:cs typeface="Times New Roman" panose="02020603050405020304" pitchFamily="18" charset="0"/>
               </a:rPr>
-              <a:t>: O computador processa da esquerda para </a:t>
-            </a:r>
-            <a:r>
-              <a:rPr lang="pt-BR" sz="2400">
-                <a:solidFill>
-                  <a:schemeClr val="tx1"/>
-                </a:solidFill>
-                <a:latin typeface="Times New Roman" panose="02020603050405020304" pitchFamily="18" charset="0"/>
-                <a:cs typeface="Times New Roman" panose="02020603050405020304" pitchFamily="18" charset="0"/>
-              </a:rPr>
-              <a:t>a direita.</a:t>
-            </a:r>
-            <a:endParaRPr lang="pt-BR" sz="2400" dirty="0">
-              <a:solidFill>
-                <a:schemeClr val="tx1"/>
-              </a:solidFill>
-              <a:latin typeface="Times New Roman" panose="02020603050405020304" pitchFamily="18" charset="0"/>
-              <a:cs typeface="Times New Roman" panose="02020603050405020304" pitchFamily="18" charset="0"/>
-            </a:endParaRPr>
+              <a:t>: O computador processa da esquerda para a direita, obedecendo a ordem de prioridade.</a:t>
+            </a:r>
           </a:p>
         </p:txBody>
       </p:sp>
@@ -10538,8 +10616,8 @@
         </p:nvSpPr>
         <p:spPr>
           <a:xfrm>
-            <a:off x="142865" y="1071360"/>
-            <a:ext cx="8865056" cy="3847839"/>
+            <a:off x="142865" y="1021256"/>
+            <a:ext cx="8865056" cy="3976629"/>
           </a:xfrm>
         </p:spPr>
         <p:txBody>
@@ -10553,7 +10631,7 @@
               <a:buChar char="-"/>
             </a:pPr>
             <a:r>
-              <a:rPr lang="pt-BR" sz="2400" b="1" dirty="0">
+              <a:rPr lang="pt-BR" b="1" dirty="0">
                 <a:solidFill>
                   <a:srgbClr val="FF0000"/>
                 </a:solidFill>
@@ -10563,7 +10641,92 @@
               <a:t>Exemplo1</a:t>
             </a:r>
             <a:r>
-              <a:rPr lang="pt-BR" sz="2400" b="1" dirty="0">
+              <a:rPr lang="pt-BR" b="1" dirty="0">
+                <a:solidFill>
+                  <a:schemeClr val="tx1"/>
+                </a:solidFill>
+                <a:latin typeface="Times New Roman" panose="02020603050405020304" pitchFamily="18" charset="0"/>
+                <a:cs typeface="Times New Roman" panose="02020603050405020304" pitchFamily="18" charset="0"/>
+              </a:rPr>
+              <a:t>:	</a:t>
+            </a:r>
+            <a:r>
+              <a:rPr lang="it-IT" dirty="0">
+                <a:solidFill>
+                  <a:schemeClr val="tx1"/>
+                </a:solidFill>
+                <a:latin typeface="Times New Roman" panose="02020603050405020304" pitchFamily="18" charset="0"/>
+                <a:cs typeface="Times New Roman" panose="02020603050405020304" pitchFamily="18" charset="0"/>
+              </a:rPr>
+              <a:t>nome = 'julia'</a:t>
+            </a:r>
+          </a:p>
+          <a:p>
+            <a:pPr marL="2308860" lvl="5" indent="0" algn="just">
+              <a:buNone/>
+            </a:pPr>
+            <a:r>
+              <a:rPr lang="it-IT" b="1" dirty="0">
+                <a:solidFill>
+                  <a:schemeClr val="tx1"/>
+                </a:solidFill>
+                <a:latin typeface="Times New Roman" panose="02020603050405020304" pitchFamily="18" charset="0"/>
+                <a:cs typeface="Times New Roman" panose="02020603050405020304" pitchFamily="18" charset="0"/>
+              </a:rPr>
+              <a:t>if</a:t>
+            </a:r>
+            <a:r>
+              <a:rPr lang="it-IT" dirty="0">
+                <a:solidFill>
+                  <a:schemeClr val="tx1"/>
+                </a:solidFill>
+                <a:latin typeface="Times New Roman" panose="02020603050405020304" pitchFamily="18" charset="0"/>
+                <a:cs typeface="Times New Roman" panose="02020603050405020304" pitchFamily="18" charset="0"/>
+              </a:rPr>
+              <a:t> nome:</a:t>
+            </a:r>
+          </a:p>
+          <a:p>
+            <a:pPr marL="2308860" lvl="5" indent="0" algn="just">
+              <a:buNone/>
+            </a:pPr>
+            <a:r>
+              <a:rPr lang="it-IT" dirty="0">
+                <a:solidFill>
+                  <a:schemeClr val="tx1"/>
+                </a:solidFill>
+                <a:latin typeface="Times New Roman" panose="02020603050405020304" pitchFamily="18" charset="0"/>
+                <a:cs typeface="Times New Roman" panose="02020603050405020304" pitchFamily="18" charset="0"/>
+              </a:rPr>
+              <a:t>    print('ok', nome)</a:t>
+            </a:r>
+          </a:p>
+          <a:p>
+            <a:pPr marL="0" indent="0" algn="just">
+              <a:buNone/>
+            </a:pPr>
+            <a:r>
+              <a:rPr lang="pt-BR" b="1" dirty="0">
+                <a:solidFill>
+                  <a:schemeClr val="tx1"/>
+                </a:solidFill>
+                <a:latin typeface="Times New Roman" panose="02020603050405020304" pitchFamily="18" charset="0"/>
+                <a:cs typeface="Times New Roman" panose="02020603050405020304" pitchFamily="18" charset="0"/>
+              </a:rPr>
+              <a:t>- </a:t>
+            </a:r>
+            <a:r>
+              <a:rPr lang="pt-BR" b="1" dirty="0">
+                <a:solidFill>
+                  <a:srgbClr val="FF0000"/>
+                </a:solidFill>
+                <a:latin typeface="Times New Roman" panose="02020603050405020304" pitchFamily="18" charset="0"/>
+                <a:cs typeface="Times New Roman" panose="02020603050405020304" pitchFamily="18" charset="0"/>
+              </a:rPr>
+              <a:t>Exemplo2</a:t>
+            </a:r>
+            <a:r>
+              <a:rPr lang="pt-BR" b="1" dirty="0">
                 <a:solidFill>
                   <a:schemeClr val="tx1"/>
                 </a:solidFill>
@@ -10572,97 +10735,7 @@
               </a:rPr>
               <a:t>:</a:t>
             </a:r>
-          </a:p>
-          <a:p>
-            <a:pPr marL="0" indent="0" algn="just">
-              <a:buNone/>
-            </a:pPr>
-            <a:r>
-              <a:rPr lang="it-IT" sz="2400" dirty="0">
-                <a:solidFill>
-                  <a:schemeClr val="tx1"/>
-                </a:solidFill>
-                <a:latin typeface="Times New Roman" panose="02020603050405020304" pitchFamily="18" charset="0"/>
-                <a:cs typeface="Times New Roman" panose="02020603050405020304" pitchFamily="18" charset="0"/>
-              </a:rPr>
-              <a:t>nome = 'julia'</a:t>
-            </a:r>
-          </a:p>
-          <a:p>
-            <a:pPr marL="0" indent="0" algn="just">
-              <a:buNone/>
-            </a:pPr>
-            <a:r>
-              <a:rPr lang="it-IT" sz="2400" b="1" dirty="0">
-                <a:solidFill>
-                  <a:schemeClr val="tx1"/>
-                </a:solidFill>
-                <a:latin typeface="Times New Roman" panose="02020603050405020304" pitchFamily="18" charset="0"/>
-                <a:cs typeface="Times New Roman" panose="02020603050405020304" pitchFamily="18" charset="0"/>
-              </a:rPr>
-              <a:t>if</a:t>
-            </a:r>
-            <a:r>
-              <a:rPr lang="it-IT" sz="2400" dirty="0">
-                <a:solidFill>
-                  <a:schemeClr val="tx1"/>
-                </a:solidFill>
-                <a:latin typeface="Times New Roman" panose="02020603050405020304" pitchFamily="18" charset="0"/>
-                <a:cs typeface="Times New Roman" panose="02020603050405020304" pitchFamily="18" charset="0"/>
-              </a:rPr>
-              <a:t> nome:</a:t>
-            </a:r>
-          </a:p>
-          <a:p>
-            <a:pPr marL="0" indent="0" algn="just">
-              <a:buNone/>
-            </a:pPr>
-            <a:r>
-              <a:rPr lang="it-IT" sz="2400" dirty="0">
-                <a:solidFill>
-                  <a:schemeClr val="tx1"/>
-                </a:solidFill>
-                <a:latin typeface="Times New Roman" panose="02020603050405020304" pitchFamily="18" charset="0"/>
-                <a:cs typeface="Times New Roman" panose="02020603050405020304" pitchFamily="18" charset="0"/>
-              </a:rPr>
-              <a:t>    print('ok', nome)</a:t>
-            </a:r>
-          </a:p>
-          <a:p>
-            <a:pPr marL="0" indent="0" algn="just">
-              <a:buNone/>
-            </a:pPr>
-            <a:r>
-              <a:rPr lang="pt-BR" sz="2400" b="1" dirty="0">
-                <a:solidFill>
-                  <a:schemeClr val="tx1"/>
-                </a:solidFill>
-                <a:latin typeface="Times New Roman" panose="02020603050405020304" pitchFamily="18" charset="0"/>
-                <a:cs typeface="Times New Roman" panose="02020603050405020304" pitchFamily="18" charset="0"/>
-              </a:rPr>
-              <a:t>- </a:t>
-            </a:r>
-            <a:r>
-              <a:rPr lang="pt-BR" sz="2400" b="1" dirty="0">
-                <a:solidFill>
-                  <a:srgbClr val="FF0000"/>
-                </a:solidFill>
-                <a:latin typeface="Times New Roman" panose="02020603050405020304" pitchFamily="18" charset="0"/>
-                <a:cs typeface="Times New Roman" panose="02020603050405020304" pitchFamily="18" charset="0"/>
-              </a:rPr>
-              <a:t>Exemplo2</a:t>
-            </a:r>
-            <a:r>
-              <a:rPr lang="pt-BR" sz="2400" b="1" dirty="0">
-                <a:solidFill>
-                  <a:schemeClr val="tx1"/>
-                </a:solidFill>
-                <a:latin typeface="Times New Roman" panose="02020603050405020304" pitchFamily="18" charset="0"/>
-                <a:cs typeface="Times New Roman" panose="02020603050405020304" pitchFamily="18" charset="0"/>
-              </a:rPr>
-              <a:t>:</a:t>
-            </a:r>
-            <a:endParaRPr lang="it-IT" sz="2400" dirty="0">
+            <a:endParaRPr lang="it-IT" dirty="0">
               <a:solidFill>
                 <a:schemeClr val="tx1"/>
               </a:solidFill>
@@ -10671,26 +10744,36 @@
             </a:endParaRPr>
           </a:p>
           <a:p>
-            <a:pPr marL="0" indent="0" algn="just">
-              <a:buNone/>
-            </a:pPr>
-            <a:r>
-              <a:rPr lang="it-IT" sz="2400" dirty="0">
-                <a:solidFill>
-                  <a:schemeClr val="tx1"/>
-                </a:solidFill>
-                <a:latin typeface="Times New Roman" panose="02020603050405020304" pitchFamily="18" charset="0"/>
-                <a:cs typeface="Times New Roman" panose="02020603050405020304" pitchFamily="18" charset="0"/>
-              </a:rPr>
-              <a:t>nome = ‘'</a:t>
-            </a:r>
-          </a:p>
-          <a:p>
-            <a:pPr marL="0" indent="0" algn="just">
-              <a:buNone/>
-            </a:pPr>
-            <a:r>
-              <a:rPr lang="it-IT" sz="2400" b="1" dirty="0">
+            <a:pPr marL="2308860" lvl="5" indent="0" algn="just">
+              <a:buNone/>
+            </a:pPr>
+            <a:r>
+              <a:rPr lang="it-IT" dirty="0">
+                <a:solidFill>
+                  <a:schemeClr val="tx1"/>
+                </a:solidFill>
+                <a:latin typeface="Times New Roman" panose="02020603050405020304" pitchFamily="18" charset="0"/>
+                <a:cs typeface="Times New Roman" panose="02020603050405020304" pitchFamily="18" charset="0"/>
+              </a:rPr>
+              <a:t>nome = ''  # </a:t>
+            </a:r>
+            <a:r>
+              <a:rPr lang="it-IT" b="1" dirty="0">
+                <a:solidFill>
+                  <a:schemeClr val="tx1"/>
+                </a:solidFill>
+                <a:latin typeface="Times New Roman" panose="02020603050405020304" pitchFamily="18" charset="0"/>
+                <a:cs typeface="Times New Roman" panose="02020603050405020304" pitchFamily="18" charset="0"/>
+              </a:rPr>
+              <a:t>em branco</a:t>
+            </a:r>
+          </a:p>
+          <a:p>
+            <a:pPr marL="2308860" lvl="5" indent="0" algn="just">
+              <a:buNone/>
+            </a:pPr>
+            <a:r>
+              <a:rPr lang="it-IT" b="1" dirty="0">
                 <a:solidFill>
                   <a:schemeClr val="tx1"/>
                 </a:solidFill>
@@ -10700,7 +10783,7 @@
               <a:t>if</a:t>
             </a:r>
             <a:r>
-              <a:rPr lang="it-IT" sz="2400" dirty="0">
+              <a:rPr lang="it-IT" dirty="0">
                 <a:solidFill>
                   <a:schemeClr val="tx1"/>
                 </a:solidFill>
@@ -10711,11 +10794,11 @@
             </a:r>
           </a:p>
           <a:p>
-            <a:pPr marL="0" indent="0" algn="just">
-              <a:buNone/>
-            </a:pPr>
-            <a:r>
-              <a:rPr lang="it-IT" sz="2400" dirty="0">
+            <a:pPr marL="2308860" lvl="5" indent="0" algn="just">
+              <a:buNone/>
+            </a:pPr>
+            <a:r>
+              <a:rPr lang="it-IT" dirty="0">
                 <a:solidFill>
                   <a:schemeClr val="tx1"/>
                 </a:solidFill>
@@ -10724,7 +10807,7 @@
               </a:rPr>
               <a:t>    print('ok', nome)</a:t>
             </a:r>
-            <a:endParaRPr lang="pt-BR" sz="2400" dirty="0">
+            <a:endParaRPr lang="pt-BR" dirty="0">
               <a:solidFill>
                 <a:schemeClr val="tx1"/>
               </a:solidFill>
@@ -10736,7 +10819,7 @@
             <a:pPr marL="0" indent="0" algn="just">
               <a:buNone/>
             </a:pPr>
-            <a:endParaRPr lang="pt-BR" sz="2400" dirty="0">
+            <a:endParaRPr lang="pt-BR" dirty="0">
               <a:solidFill>
                 <a:schemeClr val="tx1"/>
               </a:solidFill>
@@ -11179,22 +11262,17 @@
               <a:buNone/>
             </a:pPr>
             <a:r>
-              <a:rPr lang="pt-BR" sz="2000" b="1" dirty="0">
+              <a:rPr lang="pt-BR" b="1" dirty="0">
                 <a:solidFill>
                   <a:srgbClr val="FF0000"/>
                 </a:solidFill>
                 <a:latin typeface="Times New Roman" panose="02020603050405020304" pitchFamily="18" charset="0"/>
                 <a:cs typeface="Times New Roman" panose="02020603050405020304" pitchFamily="18" charset="0"/>
               </a:rPr>
-              <a:t>Exemplo:</a:t>
-            </a:r>
-          </a:p>
-          <a:p>
-            <a:pPr marL="0" indent="0" algn="just">
-              <a:buNone/>
-            </a:pPr>
-            <a:r>
-              <a:rPr lang="pt-BR" sz="2000" dirty="0">
+              <a:t>Exemplo:	</a:t>
+            </a:r>
+            <a:r>
+              <a:rPr lang="pt-BR" dirty="0">
                 <a:solidFill>
                   <a:schemeClr val="tx1"/>
                 </a:solidFill>
@@ -11205,11 +11283,11 @@
             </a:r>
           </a:p>
           <a:p>
-            <a:pPr marL="0" indent="0" algn="just">
-              <a:buNone/>
-            </a:pPr>
-            <a:r>
-              <a:rPr lang="pt-BR" sz="2000" dirty="0" err="1">
+            <a:pPr marL="1841500" lvl="4" indent="0" algn="just">
+              <a:buNone/>
+            </a:pPr>
+            <a:r>
+              <a:rPr lang="pt-BR" dirty="0" err="1">
                 <a:solidFill>
                   <a:schemeClr val="tx1"/>
                 </a:solidFill>
@@ -11219,7 +11297,7 @@
               <a:t>if</a:t>
             </a:r>
             <a:r>
-              <a:rPr lang="pt-BR" sz="2000" dirty="0">
+              <a:rPr lang="pt-BR" dirty="0">
                 <a:solidFill>
                   <a:schemeClr val="tx1"/>
                 </a:solidFill>
@@ -11230,11 +11308,11 @@
             </a:r>
           </a:p>
           <a:p>
-            <a:pPr marL="0" indent="0" algn="just">
-              <a:buNone/>
-            </a:pPr>
-            <a:r>
-              <a:rPr lang="pt-BR" sz="2000" dirty="0">
+            <a:pPr marL="1841500" lvl="4" indent="0" algn="just">
+              <a:buNone/>
+            </a:pPr>
+            <a:r>
+              <a:rPr lang="pt-BR" dirty="0">
                 <a:solidFill>
                   <a:schemeClr val="tx1"/>
                 </a:solidFill>
@@ -11245,11 +11323,11 @@
             </a:r>
           </a:p>
           <a:p>
-            <a:pPr marL="0" indent="0" algn="just">
-              <a:buNone/>
-            </a:pPr>
-            <a:r>
-              <a:rPr lang="pt-BR" sz="2000" dirty="0" err="1">
+            <a:pPr marL="1841500" lvl="4" indent="0" algn="just">
+              <a:buNone/>
+            </a:pPr>
+            <a:r>
+              <a:rPr lang="pt-BR" dirty="0" err="1">
                 <a:solidFill>
                   <a:schemeClr val="tx1"/>
                 </a:solidFill>
@@ -11259,7 +11337,7 @@
               <a:t>elif</a:t>
             </a:r>
             <a:r>
-              <a:rPr lang="pt-BR" sz="2000" dirty="0">
+              <a:rPr lang="pt-BR" dirty="0">
                 <a:solidFill>
                   <a:schemeClr val="tx1"/>
                 </a:solidFill>
@@ -11270,11 +11348,11 @@
             </a:r>
           </a:p>
           <a:p>
-            <a:pPr marL="0" indent="0" algn="just">
-              <a:buNone/>
-            </a:pPr>
-            <a:r>
-              <a:rPr lang="pt-BR" sz="2000" dirty="0">
+            <a:pPr marL="1841500" lvl="4" indent="0" algn="just">
+              <a:buNone/>
+            </a:pPr>
+            <a:r>
+              <a:rPr lang="pt-BR" dirty="0">
                 <a:solidFill>
                   <a:schemeClr val="tx1"/>
                 </a:solidFill>
@@ -11285,11 +11363,11 @@
             </a:r>
           </a:p>
           <a:p>
-            <a:pPr marL="0" indent="0" algn="just">
-              <a:buNone/>
-            </a:pPr>
-            <a:r>
-              <a:rPr lang="pt-BR" sz="2000" dirty="0" err="1">
+            <a:pPr marL="1841500" lvl="4" indent="0" algn="just">
+              <a:buNone/>
+            </a:pPr>
+            <a:r>
+              <a:rPr lang="pt-BR" dirty="0" err="1">
                 <a:solidFill>
                   <a:schemeClr val="tx1"/>
                 </a:solidFill>
@@ -11299,7 +11377,7 @@
               <a:t>else</a:t>
             </a:r>
             <a:r>
-              <a:rPr lang="pt-BR" sz="2000" dirty="0">
+              <a:rPr lang="pt-BR" dirty="0">
                 <a:solidFill>
                   <a:schemeClr val="tx1"/>
                 </a:solidFill>
@@ -11310,11 +11388,11 @@
             </a:r>
           </a:p>
           <a:p>
-            <a:pPr marL="0" indent="0" algn="just">
-              <a:buNone/>
-            </a:pPr>
-            <a:r>
-              <a:rPr lang="pt-BR" sz="2000" dirty="0">
+            <a:pPr marL="1841500" lvl="4" indent="0" algn="just">
+              <a:buNone/>
+            </a:pPr>
+            <a:r>
+              <a:rPr lang="pt-BR" dirty="0">
                 <a:solidFill>
                   <a:schemeClr val="tx1"/>
                 </a:solidFill>
@@ -11814,7 +11892,17 @@
                 <a:latin typeface="Times New Roman" panose="02020603050405020304" pitchFamily="18" charset="0"/>
                 <a:cs typeface="Times New Roman" panose="02020603050405020304" pitchFamily="18" charset="0"/>
               </a:rPr>
-              <a:t>’]</a:t>
+              <a:t>’] # </a:t>
+            </a:r>
+            <a:r>
+              <a:rPr lang="pt-BR" sz="2400" b="1" dirty="0">
+                <a:solidFill>
+                  <a:schemeClr val="tx1"/>
+                </a:solidFill>
+                <a:latin typeface="Times New Roman" panose="02020603050405020304" pitchFamily="18" charset="0"/>
+                <a:cs typeface="Times New Roman" panose="02020603050405020304" pitchFamily="18" charset="0"/>
+              </a:rPr>
+              <a:t>é um vetor</a:t>
             </a:r>
           </a:p>
           <a:p>
@@ -12088,7 +12176,7 @@
               <a:buNone/>
             </a:pPr>
             <a:r>
-              <a:rPr lang="pt-BR" sz="2000" b="1" dirty="0">
+              <a:rPr lang="pt-BR" b="1" dirty="0">
                 <a:solidFill>
                   <a:srgbClr val="FF0000"/>
                 </a:solidFill>
@@ -12098,7 +12186,7 @@
               <a:t>Identificadores / Variáveis </a:t>
             </a:r>
             <a:r>
-              <a:rPr lang="pt-BR" sz="2000" dirty="0">
+              <a:rPr lang="pt-BR" dirty="0">
                 <a:solidFill>
                   <a:schemeClr val="tx1"/>
                 </a:solidFill>
@@ -12112,7 +12200,7 @@
             <a:pPr marL="0" indent="0" algn="just">
               <a:buNone/>
             </a:pPr>
-            <a:endParaRPr lang="pt-BR" sz="2000" dirty="0">
+            <a:endParaRPr lang="pt-BR" dirty="0">
               <a:solidFill>
                 <a:schemeClr val="tx1"/>
               </a:solidFill>
@@ -12125,7 +12213,7 @@
               <a:buNone/>
             </a:pPr>
             <a:r>
-              <a:rPr lang="pt-BR" sz="2000" dirty="0">
+              <a:rPr lang="pt-BR" dirty="0">
                 <a:solidFill>
                   <a:schemeClr val="tx1"/>
                 </a:solidFill>
@@ -12283,7 +12371,7 @@
               <a:buNone/>
             </a:pPr>
             <a:r>
-              <a:rPr lang="pt-BR" sz="2000" b="1" dirty="0">
+              <a:rPr lang="pt-BR" sz="2000" dirty="0">
                 <a:solidFill>
                   <a:schemeClr val="tx1"/>
                 </a:solidFill>
@@ -12298,7 +12386,7 @@
               <a:buNone/>
             </a:pPr>
             <a:r>
-              <a:rPr lang="pt-BR" sz="2000" b="1" dirty="0">
+              <a:rPr lang="pt-BR" sz="2000" dirty="0">
                 <a:solidFill>
                   <a:schemeClr val="tx1"/>
                 </a:solidFill>
@@ -12313,7 +12401,7 @@
               <a:buNone/>
             </a:pPr>
             <a:r>
-              <a:rPr lang="pt-BR" sz="2000" b="1" dirty="0">
+              <a:rPr lang="pt-BR" sz="2000" dirty="0">
                 <a:solidFill>
                   <a:schemeClr val="tx1"/>
                 </a:solidFill>
@@ -12323,7 +12411,7 @@
               <a:t>	</a:t>
             </a:r>
             <a:r>
-              <a:rPr lang="pt-BR" sz="2000" b="1" dirty="0" err="1">
+              <a:rPr lang="pt-BR" sz="2000" dirty="0" err="1">
                 <a:solidFill>
                   <a:schemeClr val="tx1"/>
                 </a:solidFill>
@@ -12333,7 +12421,7 @@
               <a:t>if</a:t>
             </a:r>
             <a:r>
-              <a:rPr lang="pt-BR" sz="2000" b="1" dirty="0">
+              <a:rPr lang="pt-BR" sz="2000" dirty="0">
                 <a:solidFill>
                   <a:schemeClr val="tx1"/>
                 </a:solidFill>
@@ -12348,7 +12436,7 @@
               <a:buNone/>
             </a:pPr>
             <a:r>
-              <a:rPr lang="pt-BR" sz="2000" b="1" dirty="0">
+              <a:rPr lang="pt-BR" sz="2000" dirty="0">
                 <a:solidFill>
                   <a:schemeClr val="tx1"/>
                 </a:solidFill>
@@ -12358,7 +12446,7 @@
               <a:t>		print(</a:t>
             </a:r>
             <a:r>
-              <a:rPr lang="pt-BR" sz="2000" b="1" dirty="0" err="1">
+              <a:rPr lang="pt-BR" sz="2000" dirty="0" err="1">
                 <a:solidFill>
                   <a:schemeClr val="tx1"/>
                 </a:solidFill>
@@ -12368,7 +12456,7 @@
               <a:t>f’Ordem</a:t>
             </a:r>
             <a:r>
-              <a:rPr lang="pt-BR" sz="2000" b="1" dirty="0">
+              <a:rPr lang="pt-BR" sz="2000" dirty="0">
                 <a:solidFill>
                   <a:schemeClr val="tx1"/>
                 </a:solidFill>
@@ -12383,7 +12471,7 @@
               <a:buNone/>
             </a:pPr>
             <a:r>
-              <a:rPr lang="pt-BR" sz="2000" b="1" dirty="0">
+              <a:rPr lang="pt-BR" sz="2000" dirty="0">
                 <a:solidFill>
                   <a:schemeClr val="tx1"/>
                 </a:solidFill>
@@ -12393,7 +12481,7 @@
               <a:t>	</a:t>
             </a:r>
             <a:r>
-              <a:rPr lang="pt-BR" sz="2000" b="1" dirty="0" err="1">
+              <a:rPr lang="pt-BR" sz="2000" dirty="0" err="1">
                 <a:solidFill>
                   <a:schemeClr val="tx1"/>
                 </a:solidFill>
@@ -12403,7 +12491,7 @@
               <a:t>elif</a:t>
             </a:r>
             <a:r>
-              <a:rPr lang="pt-BR" sz="2000" b="1" dirty="0">
+              <a:rPr lang="pt-BR" sz="2000" dirty="0">
                 <a:solidFill>
                   <a:schemeClr val="tx1"/>
                 </a:solidFill>
@@ -12418,7 +12506,7 @@
               <a:buNone/>
             </a:pPr>
             <a:r>
-              <a:rPr lang="pt-BR" sz="2000" b="1" dirty="0">
+              <a:rPr lang="pt-BR" sz="2000" dirty="0">
                 <a:solidFill>
                   <a:schemeClr val="tx1"/>
                 </a:solidFill>
@@ -12428,7 +12516,7 @@
               <a:t>		print(</a:t>
             </a:r>
             <a:r>
-              <a:rPr lang="pt-BR" sz="2000" b="1" dirty="0" err="1">
+              <a:rPr lang="pt-BR" sz="2000" dirty="0" err="1">
                 <a:solidFill>
                   <a:schemeClr val="tx1"/>
                 </a:solidFill>
@@ -12438,7 +12526,7 @@
               <a:t>f’Oderm</a:t>
             </a:r>
             <a:r>
-              <a:rPr lang="pt-BR" sz="2000" b="1" dirty="0">
+              <a:rPr lang="pt-BR" sz="2000" dirty="0">
                 <a:solidFill>
                   <a:schemeClr val="tx1"/>
                 </a:solidFill>
@@ -12453,7 +12541,7 @@
               <a:buNone/>
             </a:pPr>
             <a:r>
-              <a:rPr lang="pt-BR" sz="2000" b="1" dirty="0">
+              <a:rPr lang="pt-BR" sz="2000" dirty="0">
                 <a:solidFill>
                   <a:schemeClr val="tx1"/>
                 </a:solidFill>
@@ -12463,7 +12551,7 @@
               <a:t>	</a:t>
             </a:r>
             <a:r>
-              <a:rPr lang="pt-BR" sz="2000" b="1" dirty="0" err="1">
+              <a:rPr lang="pt-BR" sz="2000" dirty="0" err="1">
                 <a:solidFill>
                   <a:schemeClr val="tx1"/>
                 </a:solidFill>
@@ -12473,7 +12561,7 @@
               <a:t>else</a:t>
             </a:r>
             <a:r>
-              <a:rPr lang="pt-BR" sz="2000" b="1" dirty="0">
+              <a:rPr lang="pt-BR" sz="2000" dirty="0">
                 <a:solidFill>
                   <a:schemeClr val="tx1"/>
                 </a:solidFill>
@@ -12483,7 +12571,7 @@
               <a:t>: print(</a:t>
             </a:r>
             <a:r>
-              <a:rPr lang="pt-BR" sz="2000" b="1" dirty="0" err="1">
+              <a:rPr lang="pt-BR" sz="2000" dirty="0" err="1">
                 <a:solidFill>
                   <a:schemeClr val="tx1"/>
                 </a:solidFill>
@@ -12493,7 +12581,7 @@
               <a:t>f’Ordem</a:t>
             </a:r>
             <a:r>
-              <a:rPr lang="pt-BR" sz="2000" b="1" dirty="0">
+              <a:rPr lang="pt-BR" sz="2000" dirty="0">
                 <a:solidFill>
                   <a:schemeClr val="tx1"/>
                 </a:solidFill>
@@ -14255,7 +14343,24 @@
                 <a:latin typeface="Times New Roman" panose="02020603050405020304" pitchFamily="18" charset="0"/>
                 <a:cs typeface="Times New Roman" panose="02020603050405020304" pitchFamily="18" charset="0"/>
               </a:rPr>
-              <a:t>	Desafios em Sala de Aula.</a:t>
+              <a:t>	</a:t>
+            </a:r>
+            <a:r>
+              <a:rPr lang="pt-BR" b="1" dirty="0">
+                <a:solidFill>
+                  <a:srgbClr val="FF0000"/>
+                </a:solidFill>
+                <a:latin typeface="Times New Roman" panose="02020603050405020304" pitchFamily="18" charset="0"/>
+                <a:cs typeface="Times New Roman" panose="02020603050405020304" pitchFamily="18" charset="0"/>
+              </a:rPr>
+              <a:t>Desafios em Sala de Aula</a:t>
+            </a:r>
+            <a:r>
+              <a:rPr lang="pt-BR" dirty="0">
+                <a:latin typeface="Times New Roman" panose="02020603050405020304" pitchFamily="18" charset="0"/>
+                <a:cs typeface="Times New Roman" panose="02020603050405020304" pitchFamily="18" charset="0"/>
+              </a:rPr>
+              <a:t>.</a:t>
             </a:r>
           </a:p>
         </p:txBody>
@@ -14518,8 +14623,8 @@
         </p:nvSpPr>
         <p:spPr>
           <a:xfrm>
-            <a:off x="142865" y="1200150"/>
-            <a:ext cx="8865056" cy="3445001"/>
+            <a:off x="142865" y="999734"/>
+            <a:ext cx="8865056" cy="3735104"/>
           </a:xfrm>
         </p:spPr>
         <p:txBody>
@@ -14532,7 +14637,7 @@
               <a:buNone/>
             </a:pPr>
             <a:r>
-              <a:rPr lang="pt-BR" sz="2000" dirty="0">
+              <a:rPr lang="pt-BR" sz="2400" dirty="0">
                 <a:solidFill>
                   <a:schemeClr val="tx1"/>
                 </a:solidFill>
@@ -14542,7 +14647,7 @@
               <a:t>As </a:t>
             </a:r>
             <a:r>
-              <a:rPr lang="pt-BR" sz="2000" b="1" dirty="0">
+              <a:rPr lang="pt-BR" sz="2400" b="1" dirty="0">
                 <a:solidFill>
                   <a:schemeClr val="tx1"/>
                 </a:solidFill>
@@ -14552,7 +14657,7 @@
               <a:t>variáveis</a:t>
             </a:r>
             <a:r>
-              <a:rPr lang="pt-BR" sz="2000" dirty="0">
+              <a:rPr lang="pt-BR" sz="2400" dirty="0">
                 <a:solidFill>
                   <a:schemeClr val="tx1"/>
                 </a:solidFill>
@@ -14566,7 +14671,7 @@
             <a:pPr marL="0" indent="0" algn="just">
               <a:buNone/>
             </a:pPr>
-            <a:endParaRPr lang="pt-BR" sz="2000" dirty="0">
+            <a:endParaRPr lang="pt-BR" sz="2400" dirty="0">
               <a:solidFill>
                 <a:schemeClr val="tx1"/>
               </a:solidFill>
@@ -14579,7 +14684,7 @@
               <a:buNone/>
             </a:pPr>
             <a:r>
-              <a:rPr lang="pt-BR" sz="2000" dirty="0">
+              <a:rPr lang="pt-BR" sz="2400" dirty="0">
                 <a:solidFill>
                   <a:schemeClr val="tx1"/>
                 </a:solidFill>
@@ -14589,7 +14694,7 @@
               <a:t>No entanto, elas devem necessariamente começar com letras minúsculas, por padrão (</a:t>
             </a:r>
             <a:r>
-              <a:rPr lang="pt-BR" sz="2000" b="1" dirty="0">
+              <a:rPr lang="pt-BR" sz="2400" b="1" dirty="0">
                 <a:solidFill>
                   <a:srgbClr val="FF0000"/>
                 </a:solidFill>
@@ -14599,7 +14704,7 @@
               <a:t>padronização de projeto</a:t>
             </a:r>
             <a:r>
-              <a:rPr lang="pt-BR" sz="2000" dirty="0">
+              <a:rPr lang="pt-BR" sz="2400" dirty="0">
                 <a:solidFill>
                   <a:schemeClr val="tx1"/>
                 </a:solidFill>
@@ -14613,7 +14718,7 @@
             <a:pPr marL="0" indent="0" algn="just">
               <a:buNone/>
             </a:pPr>
-            <a:endParaRPr lang="pt-BR" sz="2000" dirty="0">
+            <a:endParaRPr lang="pt-BR" sz="2400" dirty="0">
               <a:solidFill>
                 <a:schemeClr val="tx1"/>
               </a:solidFill>
@@ -14626,7 +14731,7 @@
               <a:buNone/>
             </a:pPr>
             <a:r>
-              <a:rPr lang="pt-BR" sz="2000" dirty="0">
+              <a:rPr lang="pt-BR" sz="2400" dirty="0">
                 <a:solidFill>
                   <a:schemeClr val="tx1"/>
                 </a:solidFill>
@@ -14636,7 +14741,7 @@
               <a:t>Além dessa regra é importante também estar atento às </a:t>
             </a:r>
             <a:r>
-              <a:rPr lang="pt-BR" sz="2000" b="1" dirty="0">
+              <a:rPr lang="pt-BR" sz="2400" b="1" dirty="0">
                 <a:solidFill>
                   <a:schemeClr val="tx1"/>
                 </a:solidFill>
@@ -14646,7 +14751,7 @@
               <a:t>palavras reservadas</a:t>
             </a:r>
             <a:r>
-              <a:rPr lang="pt-BR" sz="2000" dirty="0">
+              <a:rPr lang="pt-BR" sz="2400" dirty="0">
                 <a:solidFill>
                   <a:schemeClr val="tx1"/>
                 </a:solidFill>
@@ -15256,7 +15361,27 @@
                 <a:latin typeface="Times New Roman" panose="02020603050405020304" pitchFamily="18" charset="0"/>
                 <a:cs typeface="Times New Roman" panose="02020603050405020304" pitchFamily="18" charset="0"/>
               </a:rPr>
-              <a:t> válidas:</a:t>
+              <a:t> </a:t>
+            </a:r>
+            <a:r>
+              <a:rPr lang="pt-BR" sz="3200" b="1" dirty="0">
+                <a:solidFill>
+                  <a:schemeClr val="tx1"/>
+                </a:solidFill>
+                <a:latin typeface="Times New Roman" panose="02020603050405020304" pitchFamily="18" charset="0"/>
+                <a:cs typeface="Times New Roman" panose="02020603050405020304" pitchFamily="18" charset="0"/>
+              </a:rPr>
+              <a:t>VÁLIDAS</a:t>
+            </a:r>
+            <a:r>
+              <a:rPr lang="pt-BR" sz="3200" dirty="0">
+                <a:solidFill>
+                  <a:schemeClr val="tx1"/>
+                </a:solidFill>
+                <a:latin typeface="Times New Roman" panose="02020603050405020304" pitchFamily="18" charset="0"/>
+                <a:cs typeface="Times New Roman" panose="02020603050405020304" pitchFamily="18" charset="0"/>
+              </a:rPr>
+              <a:t>:</a:t>
             </a:r>
           </a:p>
           <a:p>
@@ -15340,7 +15465,7 @@
                 <a:latin typeface="Times New Roman" panose="02020603050405020304" pitchFamily="18" charset="0"/>
                 <a:cs typeface="Times New Roman" panose="02020603050405020304" pitchFamily="18" charset="0"/>
               </a:rPr>
-              <a:t>invariáveis</a:t>
+              <a:t>variáveis</a:t>
             </a:r>
             <a:r>
               <a:rPr lang="pt-BR" sz="3200" dirty="0">
@@ -15350,7 +15475,27 @@
                 <a:latin typeface="Times New Roman" panose="02020603050405020304" pitchFamily="18" charset="0"/>
                 <a:cs typeface="Times New Roman" panose="02020603050405020304" pitchFamily="18" charset="0"/>
               </a:rPr>
-              <a:t> válidas:</a:t>
+              <a:t> </a:t>
+            </a:r>
+            <a:r>
+              <a:rPr lang="pt-BR" sz="3200" b="1" dirty="0">
+                <a:solidFill>
+                  <a:schemeClr val="tx1"/>
+                </a:solidFill>
+                <a:latin typeface="Times New Roman" panose="02020603050405020304" pitchFamily="18" charset="0"/>
+                <a:cs typeface="Times New Roman" panose="02020603050405020304" pitchFamily="18" charset="0"/>
+              </a:rPr>
+              <a:t>INVÁLIDAS</a:t>
+            </a:r>
+            <a:r>
+              <a:rPr lang="pt-BR" sz="3200" dirty="0">
+                <a:solidFill>
+                  <a:schemeClr val="tx1"/>
+                </a:solidFill>
+                <a:latin typeface="Times New Roman" panose="02020603050405020304" pitchFamily="18" charset="0"/>
+                <a:cs typeface="Times New Roman" panose="02020603050405020304" pitchFamily="18" charset="0"/>
+              </a:rPr>
+              <a:t>:</a:t>
             </a:r>
           </a:p>
           <a:p>
@@ -15502,7 +15647,7 @@
               <a:buNone/>
             </a:pPr>
             <a:r>
-              <a:rPr lang="pt-BR" sz="2400" b="1" dirty="0">
+              <a:rPr lang="pt-BR" b="1" dirty="0">
                 <a:solidFill>
                   <a:schemeClr val="tx1"/>
                 </a:solidFill>
@@ -15512,7 +15657,7 @@
               <a:t># Python </a:t>
             </a:r>
             <a:r>
-              <a:rPr lang="pt-BR" sz="2400" b="1" dirty="0" err="1">
+              <a:rPr lang="pt-BR" b="1" dirty="0" err="1">
                 <a:solidFill>
                   <a:schemeClr val="tx1"/>
                 </a:solidFill>
@@ -15522,7 +15667,7 @@
               <a:t>program</a:t>
             </a:r>
             <a:r>
-              <a:rPr lang="pt-BR" sz="2400" b="1" dirty="0">
+              <a:rPr lang="pt-BR" b="1" dirty="0">
                 <a:solidFill>
                   <a:schemeClr val="tx1"/>
                 </a:solidFill>
@@ -15532,7 +15677,7 @@
               <a:t> </a:t>
             </a:r>
             <a:r>
-              <a:rPr lang="pt-BR" sz="2400" b="1" dirty="0" err="1">
+              <a:rPr lang="pt-BR" b="1" dirty="0" err="1">
                 <a:solidFill>
                   <a:schemeClr val="tx1"/>
                 </a:solidFill>
@@ -15542,7 +15687,7 @@
               <a:t>to</a:t>
             </a:r>
             <a:r>
-              <a:rPr lang="pt-BR" sz="2400" b="1" dirty="0">
+              <a:rPr lang="pt-BR" b="1" dirty="0">
                 <a:solidFill>
                   <a:schemeClr val="tx1"/>
                 </a:solidFill>
@@ -15552,7 +15697,7 @@
               <a:t> swap </a:t>
             </a:r>
             <a:r>
-              <a:rPr lang="pt-BR" sz="2400" b="1" dirty="0" err="1">
+              <a:rPr lang="pt-BR" b="1" dirty="0" err="1">
                 <a:solidFill>
                   <a:schemeClr val="tx1"/>
                 </a:solidFill>
@@ -15562,7 +15707,7 @@
               <a:t>two</a:t>
             </a:r>
             <a:r>
-              <a:rPr lang="pt-BR" sz="2400" b="1" dirty="0">
+              <a:rPr lang="pt-BR" b="1" dirty="0">
                 <a:solidFill>
                   <a:schemeClr val="tx1"/>
                 </a:solidFill>
@@ -15572,7 +15717,7 @@
               <a:t> </a:t>
             </a:r>
             <a:r>
-              <a:rPr lang="pt-BR" sz="2400" b="1" dirty="0" err="1">
+              <a:rPr lang="pt-BR" b="1" dirty="0" err="1">
                 <a:solidFill>
                   <a:schemeClr val="tx1"/>
                 </a:solidFill>
@@ -15582,7 +15727,7 @@
               <a:t>variables</a:t>
             </a:r>
             <a:r>
-              <a:rPr lang="pt-BR" sz="2400" b="1" dirty="0">
+              <a:rPr lang="pt-BR" b="1" dirty="0">
                 <a:solidFill>
                   <a:schemeClr val="tx1"/>
                 </a:solidFill>
@@ -15592,7 +15737,7 @@
               <a:t>; # </a:t>
             </a:r>
             <a:r>
-              <a:rPr lang="pt-BR" sz="2400" b="1" dirty="0" err="1">
+              <a:rPr lang="pt-BR" b="1" dirty="0" err="1">
                 <a:solidFill>
                   <a:schemeClr val="tx1"/>
                 </a:solidFill>
@@ -15601,7 +15746,7 @@
               </a:rPr>
               <a:t>Comment</a:t>
             </a:r>
-            <a:endParaRPr lang="pt-BR" sz="2400" b="1" dirty="0">
+            <a:endParaRPr lang="pt-BR" b="1" dirty="0">
               <a:solidFill>
                 <a:schemeClr val="tx1"/>
               </a:solidFill>
@@ -15614,7 +15759,7 @@
               <a:buNone/>
             </a:pPr>
             <a:r>
-              <a:rPr lang="pt-BR" sz="2400" dirty="0">
+              <a:rPr lang="pt-BR" dirty="0">
                 <a:solidFill>
                   <a:schemeClr val="tx1"/>
                 </a:solidFill>
@@ -15624,7 +15769,7 @@
               <a:t>x = 5 </a:t>
             </a:r>
             <a:r>
-              <a:rPr lang="pt-BR" sz="2400" b="1" dirty="0">
+              <a:rPr lang="pt-BR" b="1" dirty="0">
                 <a:solidFill>
                   <a:srgbClr val="FF0000"/>
                 </a:solidFill>
@@ -15634,7 +15779,7 @@
               <a:t># sets </a:t>
             </a:r>
             <a:r>
-              <a:rPr lang="pt-BR" sz="2400" b="1" dirty="0" err="1">
+              <a:rPr lang="pt-BR" b="1" dirty="0" err="1">
                 <a:solidFill>
                   <a:srgbClr val="FF0000"/>
                 </a:solidFill>
@@ -15644,7 +15789,7 @@
               <a:t>the</a:t>
             </a:r>
             <a:r>
-              <a:rPr lang="pt-BR" sz="2400" b="1" dirty="0">
+              <a:rPr lang="pt-BR" b="1" dirty="0">
                 <a:solidFill>
                   <a:srgbClr val="FF0000"/>
                 </a:solidFill>
@@ -15654,7 +15799,7 @@
               <a:t> </a:t>
             </a:r>
             <a:r>
-              <a:rPr lang="pt-BR" sz="2400" b="1" dirty="0" err="1">
+              <a:rPr lang="pt-BR" b="1" dirty="0" err="1">
                 <a:solidFill>
                   <a:srgbClr val="FF0000"/>
                 </a:solidFill>
@@ -15664,7 +15809,7 @@
               <a:t>type</a:t>
             </a:r>
             <a:r>
-              <a:rPr lang="pt-BR" sz="2400" b="1" dirty="0">
+              <a:rPr lang="pt-BR" b="1" dirty="0">
                 <a:solidFill>
                   <a:srgbClr val="FF0000"/>
                 </a:solidFill>
@@ -15674,7 +15819,7 @@
               <a:t> </a:t>
             </a:r>
             <a:r>
-              <a:rPr lang="pt-BR" sz="2400" b="1" dirty="0" err="1">
+              <a:rPr lang="pt-BR" b="1" dirty="0" err="1">
                 <a:solidFill>
                   <a:srgbClr val="FF0000"/>
                 </a:solidFill>
@@ -15684,7 +15829,7 @@
               <a:t>and</a:t>
             </a:r>
             <a:r>
-              <a:rPr lang="pt-BR" sz="2400" b="1" dirty="0">
+              <a:rPr lang="pt-BR" b="1" dirty="0">
                 <a:solidFill>
                   <a:srgbClr val="FF0000"/>
                 </a:solidFill>
@@ -15694,7 +15839,7 @@
               <a:t> </a:t>
             </a:r>
             <a:r>
-              <a:rPr lang="pt-BR" sz="2400" b="1" dirty="0" err="1">
+              <a:rPr lang="pt-BR" b="1" dirty="0" err="1">
                 <a:solidFill>
                   <a:srgbClr val="FF0000"/>
                 </a:solidFill>
@@ -15703,7 +15848,7 @@
               </a:rPr>
               <a:t>value</a:t>
             </a:r>
-            <a:endParaRPr lang="pt-BR" sz="2400" b="1" dirty="0">
+            <a:endParaRPr lang="pt-BR" b="1" dirty="0">
               <a:solidFill>
                 <a:srgbClr val="FF0000"/>
               </a:solidFill>
@@ -15716,7 +15861,7 @@
               <a:buNone/>
             </a:pPr>
             <a:r>
-              <a:rPr lang="pt-BR" sz="2400" dirty="0">
+              <a:rPr lang="pt-BR" dirty="0">
                 <a:solidFill>
                   <a:schemeClr val="tx1"/>
                 </a:solidFill>
@@ -15730,7 +15875,7 @@
             <a:pPr marL="0" indent="0" algn="just">
               <a:buNone/>
             </a:pPr>
-            <a:endParaRPr lang="pt-BR" sz="2400" dirty="0">
+            <a:endParaRPr lang="pt-BR" dirty="0">
               <a:solidFill>
                 <a:schemeClr val="tx1"/>
               </a:solidFill>
@@ -15743,7 +15888,7 @@
               <a:buNone/>
             </a:pPr>
             <a:r>
-              <a:rPr lang="pt-BR" sz="2400" dirty="0">
+              <a:rPr lang="pt-BR" dirty="0">
                 <a:solidFill>
                   <a:schemeClr val="tx1"/>
                 </a:solidFill>
@@ -15753,7 +15898,7 @@
               <a:t># </a:t>
             </a:r>
             <a:r>
-              <a:rPr lang="pt-BR" sz="2400" dirty="0" err="1">
+              <a:rPr lang="pt-BR" dirty="0" err="1">
                 <a:solidFill>
                   <a:schemeClr val="tx1"/>
                 </a:solidFill>
@@ -15763,7 +15908,7 @@
               <a:t>To</a:t>
             </a:r>
             <a:r>
-              <a:rPr lang="pt-BR" sz="2400" dirty="0">
+              <a:rPr lang="pt-BR" dirty="0">
                 <a:solidFill>
                   <a:schemeClr val="tx1"/>
                 </a:solidFill>
@@ -15773,7 +15918,7 @@
               <a:t> take inputs </a:t>
             </a:r>
             <a:r>
-              <a:rPr lang="pt-BR" sz="2400" dirty="0" err="1">
+              <a:rPr lang="pt-BR" dirty="0" err="1">
                 <a:solidFill>
                   <a:schemeClr val="tx1"/>
                 </a:solidFill>
@@ -15783,7 +15928,7 @@
               <a:t>from</a:t>
             </a:r>
             <a:r>
-              <a:rPr lang="pt-BR" sz="2400" dirty="0">
+              <a:rPr lang="pt-BR" dirty="0">
                 <a:solidFill>
                   <a:schemeClr val="tx1"/>
                 </a:solidFill>
@@ -15793,7 +15938,7 @@
               <a:t> </a:t>
             </a:r>
             <a:r>
-              <a:rPr lang="pt-BR" sz="2400" dirty="0" err="1">
+              <a:rPr lang="pt-BR" dirty="0" err="1">
                 <a:solidFill>
                   <a:schemeClr val="tx1"/>
                 </a:solidFill>
@@ -15803,7 +15948,7 @@
               <a:t>the</a:t>
             </a:r>
             <a:r>
-              <a:rPr lang="pt-BR" sz="2400" dirty="0">
+              <a:rPr lang="pt-BR" dirty="0">
                 <a:solidFill>
                   <a:schemeClr val="tx1"/>
                 </a:solidFill>
@@ -15813,7 +15958,7 @@
               <a:t> </a:t>
             </a:r>
             <a:r>
-              <a:rPr lang="pt-BR" sz="2400" dirty="0" err="1">
+              <a:rPr lang="pt-BR" dirty="0" err="1">
                 <a:solidFill>
                   <a:schemeClr val="tx1"/>
                 </a:solidFill>
@@ -15822,7 +15967,7 @@
               </a:rPr>
               <a:t>user</a:t>
             </a:r>
-            <a:endParaRPr lang="pt-BR" sz="2400" dirty="0">
+            <a:endParaRPr lang="pt-BR" dirty="0">
               <a:solidFill>
                 <a:schemeClr val="tx1"/>
               </a:solidFill>
@@ -15835,7 +15980,7 @@
               <a:buNone/>
             </a:pPr>
             <a:r>
-              <a:rPr lang="pt-BR" sz="2400" dirty="0">
+              <a:rPr lang="pt-BR" dirty="0">
                 <a:solidFill>
                   <a:schemeClr val="tx1"/>
                 </a:solidFill>
@@ -15845,7 +15990,7 @@
               <a:t># x = input('</a:t>
             </a:r>
             <a:r>
-              <a:rPr lang="pt-BR" sz="2400" dirty="0" err="1">
+              <a:rPr lang="pt-BR" dirty="0" err="1">
                 <a:solidFill>
                   <a:schemeClr val="tx1"/>
                 </a:solidFill>
@@ -15855,7 +16000,7 @@
               <a:t>Enter</a:t>
             </a:r>
             <a:r>
-              <a:rPr lang="pt-BR" sz="2400" dirty="0">
+              <a:rPr lang="pt-BR" dirty="0">
                 <a:solidFill>
                   <a:schemeClr val="tx1"/>
                 </a:solidFill>
@@ -15865,7 +16010,7 @@
               <a:t> </a:t>
             </a:r>
             <a:r>
-              <a:rPr lang="pt-BR" sz="2400" dirty="0" err="1">
+              <a:rPr lang="pt-BR" dirty="0" err="1">
                 <a:solidFill>
                   <a:schemeClr val="tx1"/>
                 </a:solidFill>
@@ -15875,7 +16020,7 @@
               <a:t>value</a:t>
             </a:r>
             <a:r>
-              <a:rPr lang="pt-BR" sz="2400" dirty="0">
+              <a:rPr lang="pt-BR" dirty="0">
                 <a:solidFill>
                   <a:schemeClr val="tx1"/>
                 </a:solidFill>
@@ -15885,7 +16030,7 @@
               <a:t> </a:t>
             </a:r>
             <a:r>
-              <a:rPr lang="pt-BR" sz="2400" dirty="0" err="1">
+              <a:rPr lang="pt-BR" dirty="0" err="1">
                 <a:solidFill>
                   <a:schemeClr val="tx1"/>
                 </a:solidFill>
@@ -15895,7 +16040,7 @@
               <a:t>of</a:t>
             </a:r>
             <a:r>
-              <a:rPr lang="pt-BR" sz="2400" dirty="0">
+              <a:rPr lang="pt-BR" dirty="0">
                 <a:solidFill>
                   <a:schemeClr val="tx1"/>
                 </a:solidFill>
@@ -15910,7 +16055,7 @@
               <a:buNone/>
             </a:pPr>
             <a:r>
-              <a:rPr lang="pt-BR" sz="2400" dirty="0">
+              <a:rPr lang="pt-BR" dirty="0">
                 <a:solidFill>
                   <a:schemeClr val="tx1"/>
                 </a:solidFill>
@@ -15920,7 +16065,7 @@
               <a:t># y = input('</a:t>
             </a:r>
             <a:r>
-              <a:rPr lang="pt-BR" sz="2400" dirty="0" err="1">
+              <a:rPr lang="pt-BR" dirty="0" err="1">
                 <a:solidFill>
                   <a:schemeClr val="tx1"/>
                 </a:solidFill>
@@ -15930,7 +16075,7 @@
               <a:t>Enter</a:t>
             </a:r>
             <a:r>
-              <a:rPr lang="pt-BR" sz="2400" dirty="0">
+              <a:rPr lang="pt-BR" dirty="0">
                 <a:solidFill>
                   <a:schemeClr val="tx1"/>
                 </a:solidFill>
@@ -15940,7 +16085,7 @@
               <a:t> </a:t>
             </a:r>
             <a:r>
-              <a:rPr lang="pt-BR" sz="2400" dirty="0" err="1">
+              <a:rPr lang="pt-BR" dirty="0" err="1">
                 <a:solidFill>
                   <a:schemeClr val="tx1"/>
                 </a:solidFill>
@@ -15950,7 +16095,7 @@
               <a:t>value</a:t>
             </a:r>
             <a:r>
-              <a:rPr lang="pt-BR" sz="2400" dirty="0">
+              <a:rPr lang="pt-BR" dirty="0">
                 <a:solidFill>
                   <a:schemeClr val="tx1"/>
                 </a:solidFill>
@@ -15960,7 +16105,7 @@
               <a:t> </a:t>
             </a:r>
             <a:r>
-              <a:rPr lang="pt-BR" sz="2400" dirty="0" err="1">
+              <a:rPr lang="pt-BR" dirty="0" err="1">
                 <a:solidFill>
                   <a:schemeClr val="tx1"/>
                 </a:solidFill>
@@ -15970,7 +16115,7 @@
               <a:t>of</a:t>
             </a:r>
             <a:r>
-              <a:rPr lang="pt-BR" sz="2400" dirty="0">
+              <a:rPr lang="pt-BR" dirty="0">
                 <a:solidFill>
                   <a:schemeClr val="tx1"/>
                 </a:solidFill>
@@ -15984,7 +16129,7 @@
             <a:pPr marL="0" indent="0" algn="just">
               <a:buNone/>
             </a:pPr>
-            <a:endParaRPr lang="pt-BR" sz="2400" dirty="0">
+            <a:endParaRPr lang="pt-BR" dirty="0">
               <a:solidFill>
                 <a:schemeClr val="tx1"/>
               </a:solidFill>
@@ -16081,8 +16226,8 @@
         </p:nvSpPr>
         <p:spPr>
           <a:xfrm>
-            <a:off x="142865" y="1200150"/>
-            <a:ext cx="8865056" cy="3445001"/>
+            <a:off x="142865" y="999734"/>
+            <a:ext cx="8865056" cy="3937786"/>
           </a:xfrm>
         </p:spPr>
         <p:txBody>
@@ -16095,7 +16240,7 @@
               <a:buNone/>
             </a:pPr>
             <a:r>
-              <a:rPr lang="pt-BR" sz="2400" b="1" dirty="0">
+              <a:rPr lang="pt-BR" sz="2700" b="1" dirty="0">
                 <a:solidFill>
                   <a:schemeClr val="tx1"/>
                 </a:solidFill>
@@ -16105,7 +16250,7 @@
               <a:t># </a:t>
             </a:r>
             <a:r>
-              <a:rPr lang="pt-BR" sz="2400" b="1" dirty="0" err="1">
+              <a:rPr lang="pt-BR" sz="2700" b="1" dirty="0" err="1">
                 <a:solidFill>
                   <a:schemeClr val="tx1"/>
                 </a:solidFill>
@@ -16115,7 +16260,7 @@
               <a:t>create</a:t>
             </a:r>
             <a:r>
-              <a:rPr lang="pt-BR" sz="2400" b="1" dirty="0">
+              <a:rPr lang="pt-BR" sz="2700" b="1" dirty="0">
                 <a:solidFill>
                   <a:schemeClr val="tx1"/>
                 </a:solidFill>
@@ -16125,7 +16270,7 @@
               <a:t> a </a:t>
             </a:r>
             <a:r>
-              <a:rPr lang="pt-BR" sz="2400" b="1" dirty="0" err="1">
+              <a:rPr lang="pt-BR" sz="2700" b="1" dirty="0" err="1">
                 <a:solidFill>
                   <a:schemeClr val="tx1"/>
                 </a:solidFill>
@@ -16135,7 +16280,7 @@
               <a:t>temporary</a:t>
             </a:r>
             <a:r>
-              <a:rPr lang="pt-BR" sz="2400" b="1" dirty="0">
+              <a:rPr lang="pt-BR" sz="2700" b="1" dirty="0">
                 <a:solidFill>
                   <a:schemeClr val="tx1"/>
                 </a:solidFill>
@@ -16145,7 +16290,7 @@
               <a:t> </a:t>
             </a:r>
             <a:r>
-              <a:rPr lang="pt-BR" sz="2400" b="1" dirty="0" err="1">
+              <a:rPr lang="pt-BR" sz="2700" b="1" dirty="0" err="1">
                 <a:solidFill>
                   <a:schemeClr val="tx1"/>
                 </a:solidFill>
@@ -16155,7 +16300,7 @@
               <a:t>variable</a:t>
             </a:r>
             <a:r>
-              <a:rPr lang="pt-BR" sz="2400" b="1" dirty="0">
+              <a:rPr lang="pt-BR" sz="2700" b="1" dirty="0">
                 <a:solidFill>
                   <a:schemeClr val="tx1"/>
                 </a:solidFill>
@@ -16165,7 +16310,7 @@
               <a:t> </a:t>
             </a:r>
             <a:r>
-              <a:rPr lang="pt-BR" sz="2400" b="1" dirty="0" err="1">
+              <a:rPr lang="pt-BR" sz="2700" b="1" dirty="0" err="1">
                 <a:solidFill>
                   <a:schemeClr val="tx1"/>
                 </a:solidFill>
@@ -16175,7 +16320,7 @@
               <a:t>and</a:t>
             </a:r>
             <a:r>
-              <a:rPr lang="pt-BR" sz="2400" b="1" dirty="0">
+              <a:rPr lang="pt-BR" sz="2700" b="1" dirty="0">
                 <a:solidFill>
                   <a:schemeClr val="tx1"/>
                 </a:solidFill>
@@ -16185,7 +16330,7 @@
               <a:t> swap </a:t>
             </a:r>
             <a:r>
-              <a:rPr lang="pt-BR" sz="2400" b="1" dirty="0" err="1">
+              <a:rPr lang="pt-BR" sz="2700" b="1" dirty="0" err="1">
                 <a:solidFill>
                   <a:schemeClr val="tx1"/>
                 </a:solidFill>
@@ -16195,7 +16340,7 @@
               <a:t>the</a:t>
             </a:r>
             <a:r>
-              <a:rPr lang="pt-BR" sz="2400" b="1" dirty="0">
+              <a:rPr lang="pt-BR" sz="2700" b="1" dirty="0">
                 <a:solidFill>
                   <a:schemeClr val="tx1"/>
                 </a:solidFill>
@@ -16205,7 +16350,7 @@
               <a:t> </a:t>
             </a:r>
             <a:r>
-              <a:rPr lang="pt-BR" sz="2400" b="1" dirty="0" err="1">
+              <a:rPr lang="pt-BR" sz="2700" b="1" dirty="0" err="1">
                 <a:solidFill>
                   <a:schemeClr val="tx1"/>
                 </a:solidFill>
@@ -16214,7 +16359,7 @@
               </a:rPr>
               <a:t>values</a:t>
             </a:r>
-            <a:endParaRPr lang="pt-BR" sz="2400" b="1" dirty="0">
+            <a:endParaRPr lang="pt-BR" sz="2700" b="1" dirty="0">
               <a:solidFill>
                 <a:schemeClr val="tx1"/>
               </a:solidFill>
@@ -16227,7 +16372,7 @@
               <a:buNone/>
             </a:pPr>
             <a:r>
-              <a:rPr lang="pt-BR" sz="2400" dirty="0" err="1">
+              <a:rPr lang="pt-BR" sz="2700" dirty="0" err="1">
                 <a:solidFill>
                   <a:schemeClr val="tx1"/>
                 </a:solidFill>
@@ -16237,7 +16382,7 @@
               <a:t>temp</a:t>
             </a:r>
             <a:r>
-              <a:rPr lang="pt-BR" sz="2400" dirty="0">
+              <a:rPr lang="pt-BR" sz="2700" dirty="0">
                 <a:solidFill>
                   <a:schemeClr val="tx1"/>
                 </a:solidFill>
@@ -16252,7 +16397,7 @@
               <a:buNone/>
             </a:pPr>
             <a:r>
-              <a:rPr lang="pt-BR" sz="2400" dirty="0">
+              <a:rPr lang="pt-BR" sz="2700" dirty="0">
                 <a:solidFill>
                   <a:schemeClr val="tx1"/>
                 </a:solidFill>
@@ -16267,7 +16412,7 @@
               <a:buNone/>
             </a:pPr>
             <a:r>
-              <a:rPr lang="pt-BR" sz="2400" dirty="0">
+              <a:rPr lang="pt-BR" sz="2700" dirty="0">
                 <a:solidFill>
                   <a:schemeClr val="tx1"/>
                 </a:solidFill>
@@ -16277,7 +16422,7 @@
               <a:t>y = </a:t>
             </a:r>
             <a:r>
-              <a:rPr lang="pt-BR" sz="2400" dirty="0" err="1">
+              <a:rPr lang="pt-BR" sz="2700" dirty="0" err="1">
                 <a:solidFill>
                   <a:schemeClr val="tx1"/>
                 </a:solidFill>
@@ -16286,7 +16431,7 @@
               </a:rPr>
               <a:t>temp</a:t>
             </a:r>
-            <a:endParaRPr lang="pt-BR" sz="2400" dirty="0">
+            <a:endParaRPr lang="pt-BR" sz="2700" dirty="0">
               <a:solidFill>
                 <a:schemeClr val="tx1"/>
               </a:solidFill>
@@ -16298,7 +16443,7 @@
             <a:pPr marL="0" indent="0" algn="just">
               <a:buNone/>
             </a:pPr>
-            <a:endParaRPr lang="pt-BR" sz="2400" b="1" dirty="0">
+            <a:endParaRPr lang="pt-BR" sz="2700" b="1" dirty="0">
               <a:solidFill>
                 <a:schemeClr val="tx1"/>
               </a:solidFill>
@@ -16311,7 +16456,7 @@
               <a:buNone/>
             </a:pPr>
             <a:r>
-              <a:rPr lang="pt-BR" sz="2400" b="1" dirty="0">
+              <a:rPr lang="pt-BR" sz="2700" b="1" dirty="0">
                 <a:solidFill>
                   <a:srgbClr val="FF0000"/>
                 </a:solidFill>
@@ -16321,7 +16466,7 @@
               <a:t># </a:t>
             </a:r>
             <a:r>
-              <a:rPr lang="pt-BR" sz="2400" b="1" dirty="0" err="1">
+              <a:rPr lang="pt-BR" sz="2700" b="1" dirty="0" err="1">
                 <a:solidFill>
                   <a:srgbClr val="FF0000"/>
                 </a:solidFill>
@@ -16331,7 +16476,7 @@
               <a:t>priting</a:t>
             </a:r>
             <a:r>
-              <a:rPr lang="pt-BR" sz="2400" b="1" dirty="0">
+              <a:rPr lang="pt-BR" sz="2700" b="1" dirty="0">
                 <a:solidFill>
                   <a:srgbClr val="FF0000"/>
                 </a:solidFill>
@@ -16341,7 +16486,7 @@
               <a:t> </a:t>
             </a:r>
             <a:r>
-              <a:rPr lang="pt-BR" sz="2400" b="1" dirty="0" err="1">
+              <a:rPr lang="pt-BR" sz="2700" b="1" dirty="0" err="1">
                 <a:solidFill>
                   <a:srgbClr val="FF0000"/>
                 </a:solidFill>
@@ -16351,7 +16496,7 @@
               <a:t>the</a:t>
             </a:r>
             <a:r>
-              <a:rPr lang="pt-BR" sz="2400" b="1" dirty="0">
+              <a:rPr lang="pt-BR" sz="2700" b="1" dirty="0">
                 <a:solidFill>
                   <a:srgbClr val="FF0000"/>
                 </a:solidFill>
@@ -16361,7 +16506,7 @@
               <a:t> </a:t>
             </a:r>
             <a:r>
-              <a:rPr lang="pt-BR" sz="2400" b="1" dirty="0" err="1">
+              <a:rPr lang="pt-BR" sz="2700" b="1" dirty="0" err="1">
                 <a:solidFill>
                   <a:srgbClr val="FF0000"/>
                 </a:solidFill>
@@ -16370,7 +16515,7 @@
               </a:rPr>
               <a:t>variables</a:t>
             </a:r>
-            <a:endParaRPr lang="pt-BR" sz="2400" b="1" dirty="0">
+            <a:endParaRPr lang="pt-BR" sz="2700" b="1" dirty="0">
               <a:solidFill>
                 <a:srgbClr val="FF0000"/>
               </a:solidFill>
@@ -16383,7 +16528,7 @@
               <a:buNone/>
             </a:pPr>
             <a:r>
-              <a:rPr lang="pt-BR" sz="2400" dirty="0">
+              <a:rPr lang="pt-BR" sz="2700" dirty="0">
                 <a:solidFill>
                   <a:schemeClr val="tx1"/>
                 </a:solidFill>
@@ -16393,7 +16538,7 @@
               <a:t>print('The </a:t>
             </a:r>
             <a:r>
-              <a:rPr lang="pt-BR" sz="2400" dirty="0" err="1">
+              <a:rPr lang="pt-BR" sz="2700" dirty="0" err="1">
                 <a:solidFill>
                   <a:schemeClr val="tx1"/>
                 </a:solidFill>
@@ -16403,7 +16548,7 @@
               <a:t>value</a:t>
             </a:r>
             <a:r>
-              <a:rPr lang="pt-BR" sz="2400" dirty="0">
+              <a:rPr lang="pt-BR" sz="2700" dirty="0">
                 <a:solidFill>
                   <a:schemeClr val="tx1"/>
                 </a:solidFill>
@@ -16413,7 +16558,7 @@
               <a:t> </a:t>
             </a:r>
             <a:r>
-              <a:rPr lang="pt-BR" sz="2400" dirty="0" err="1">
+              <a:rPr lang="pt-BR" sz="2700" dirty="0" err="1">
                 <a:solidFill>
                   <a:schemeClr val="tx1"/>
                 </a:solidFill>
@@ -16423,7 +16568,7 @@
               <a:t>of</a:t>
             </a:r>
             <a:r>
-              <a:rPr lang="pt-BR" sz="2400" dirty="0">
+              <a:rPr lang="pt-BR" sz="2700" dirty="0">
                 <a:solidFill>
                   <a:schemeClr val="tx1"/>
                 </a:solidFill>
@@ -16433,7 +16578,7 @@
               <a:t> x </a:t>
             </a:r>
             <a:r>
-              <a:rPr lang="pt-BR" sz="2400" dirty="0" err="1">
+              <a:rPr lang="pt-BR" sz="2700" dirty="0" err="1">
                 <a:solidFill>
                   <a:schemeClr val="tx1"/>
                 </a:solidFill>
@@ -16443,7 +16588,7 @@
               <a:t>after</a:t>
             </a:r>
             <a:r>
-              <a:rPr lang="pt-BR" sz="2400" dirty="0">
+              <a:rPr lang="pt-BR" sz="2700" dirty="0">
                 <a:solidFill>
                   <a:schemeClr val="tx1"/>
                 </a:solidFill>
@@ -16453,7 +16598,7 @@
               <a:t> swapping: {}'.</a:t>
             </a:r>
             <a:r>
-              <a:rPr lang="pt-BR" sz="2400" dirty="0" err="1">
+              <a:rPr lang="pt-BR" sz="2700" dirty="0" err="1">
                 <a:solidFill>
                   <a:schemeClr val="tx1"/>
                 </a:solidFill>
@@ -16463,7 +16608,7 @@
               <a:t>format</a:t>
             </a:r>
             <a:r>
-              <a:rPr lang="pt-BR" sz="2400" dirty="0">
+              <a:rPr lang="pt-BR" sz="2700" dirty="0">
                 <a:solidFill>
                   <a:schemeClr val="tx1"/>
                 </a:solidFill>
@@ -16478,7 +16623,7 @@
               <a:buNone/>
             </a:pPr>
             <a:r>
-              <a:rPr lang="pt-BR" sz="2400" dirty="0">
+              <a:rPr lang="pt-BR" sz="2700" dirty="0">
                 <a:solidFill>
                   <a:schemeClr val="tx1"/>
                 </a:solidFill>
@@ -16488,7 +16633,7 @@
               <a:t>print('The </a:t>
             </a:r>
             <a:r>
-              <a:rPr lang="pt-BR" sz="2400" dirty="0" err="1">
+              <a:rPr lang="pt-BR" sz="2700" dirty="0" err="1">
                 <a:solidFill>
                   <a:schemeClr val="tx1"/>
                 </a:solidFill>
@@ -16498,7 +16643,7 @@
               <a:t>value</a:t>
             </a:r>
             <a:r>
-              <a:rPr lang="pt-BR" sz="2400" dirty="0">
+              <a:rPr lang="pt-BR" sz="2700" dirty="0">
                 <a:solidFill>
                   <a:schemeClr val="tx1"/>
                 </a:solidFill>
@@ -16508,7 +16653,7 @@
               <a:t> </a:t>
             </a:r>
             <a:r>
-              <a:rPr lang="pt-BR" sz="2400" dirty="0" err="1">
+              <a:rPr lang="pt-BR" sz="2700" dirty="0" err="1">
                 <a:solidFill>
                   <a:schemeClr val="tx1"/>
                 </a:solidFill>
@@ -16518,7 +16663,7 @@
               <a:t>of</a:t>
             </a:r>
             <a:r>
-              <a:rPr lang="pt-BR" sz="2400" dirty="0">
+              <a:rPr lang="pt-BR" sz="2700" dirty="0">
                 <a:solidFill>
                   <a:schemeClr val="tx1"/>
                 </a:solidFill>
@@ -16528,7 +16673,7 @@
               <a:t> y </a:t>
             </a:r>
             <a:r>
-              <a:rPr lang="pt-BR" sz="2400" dirty="0" err="1">
+              <a:rPr lang="pt-BR" sz="2700" dirty="0" err="1">
                 <a:solidFill>
                   <a:schemeClr val="tx1"/>
                 </a:solidFill>
@@ -16538,7 +16683,7 @@
               <a:t>after</a:t>
             </a:r>
             <a:r>
-              <a:rPr lang="pt-BR" sz="2400" dirty="0">
+              <a:rPr lang="pt-BR" sz="2700" dirty="0">
                 <a:solidFill>
                   <a:schemeClr val="tx1"/>
                 </a:solidFill>
@@ -16548,7 +16693,7 @@
               <a:t> swapping: {}'.</a:t>
             </a:r>
             <a:r>
-              <a:rPr lang="pt-BR" sz="2400" dirty="0" err="1">
+              <a:rPr lang="pt-BR" sz="2700" dirty="0" err="1">
                 <a:solidFill>
                   <a:schemeClr val="tx1"/>
                 </a:solidFill>
@@ -16558,7 +16703,7 @@
               <a:t>format</a:t>
             </a:r>
             <a:r>
-              <a:rPr lang="pt-BR" sz="2400" dirty="0">
+              <a:rPr lang="pt-BR" sz="2700" dirty="0">
                 <a:solidFill>
                   <a:schemeClr val="tx1"/>
                 </a:solidFill>

--- a/01 Classes/Aula 04 05 06 Programação Python.pptx
+++ b/01 Classes/Aula 04 05 06 Programação Python.pptx
@@ -10047,6 +10047,14 @@
                 </a:solidFill>
               </a:rPr>
               <a:t>Expressões</a:t>
+            </a:r>
+            <a:r>
+              <a:rPr lang="en-US" b="1">
+                <a:solidFill>
+                  <a:srgbClr val="0070C0"/>
+                </a:solidFill>
+              </a:rPr>
+              <a:t> *</a:t>
             </a:r>
             <a:endParaRPr lang="en-US" b="1" dirty="0">
               <a:solidFill>
